--- a/content/3-cc310/03-program-contract-performance/06-time-complexity-slides.pptx
+++ b/content/3-cc310/03-program-contract-performance/06-time-complexity-slides.pptx
@@ -9172,7 +9172,7 @@
           <a:p>
             <a:fld id="{272389C0-F8B9-420B-9797-34EC28597D7C}" type="datetimeFigureOut">
               <a:rPr lang="en-US" smtClean="0"/>
-              <a:t>1/31/2020</a:t>
+              <a:t>2/5/2020</a:t>
             </a:fld>
             <a:endParaRPr lang="en-US" dirty="0"/>
           </a:p>
@@ -9686,7 +9686,7 @@
           <a:p>
             <a:r>
               <a:rPr lang="en-US" dirty="0"/>
-              <a:t>And, like the linear algorithm, we have our two possible assignments, which are highlighted in green. Again, neither may be executed and at most 1 of them will be executed each time through the loop.</a:t>
+              <a:t>And, like the linear algorithm, we have our two possible assignments, which are highlighted in green. </a:t>
             </a:r>
           </a:p>
           <a:p>
@@ -11553,7 +11553,7 @@
           <a:p>
             <a:fld id="{15DE2593-7DD3-4CBA-B2EC-AD7F03D69370}" type="datetimeFigureOut">
               <a:rPr lang="en-US" smtClean="0"/>
-              <a:t>1/31/2020</a:t>
+              <a:t>2/5/2020</a:t>
             </a:fld>
             <a:endParaRPr lang="en-US" dirty="0"/>
           </a:p>
@@ -11751,7 +11751,7 @@
           <a:p>
             <a:fld id="{15DE2593-7DD3-4CBA-B2EC-AD7F03D69370}" type="datetimeFigureOut">
               <a:rPr lang="en-US" smtClean="0"/>
-              <a:t>1/31/2020</a:t>
+              <a:t>2/5/2020</a:t>
             </a:fld>
             <a:endParaRPr lang="en-US" dirty="0"/>
           </a:p>
@@ -11959,7 +11959,7 @@
           <a:p>
             <a:fld id="{15DE2593-7DD3-4CBA-B2EC-AD7F03D69370}" type="datetimeFigureOut">
               <a:rPr lang="en-US" smtClean="0"/>
-              <a:t>1/31/2020</a:t>
+              <a:t>2/5/2020</a:t>
             </a:fld>
             <a:endParaRPr lang="en-US" dirty="0"/>
           </a:p>
@@ -12157,7 +12157,7 @@
           <a:p>
             <a:fld id="{15DE2593-7DD3-4CBA-B2EC-AD7F03D69370}" type="datetimeFigureOut">
               <a:rPr lang="en-US" smtClean="0"/>
-              <a:t>1/31/2020</a:t>
+              <a:t>2/5/2020</a:t>
             </a:fld>
             <a:endParaRPr lang="en-US" dirty="0"/>
           </a:p>
@@ -12432,7 +12432,7 @@
           <a:p>
             <a:fld id="{15DE2593-7DD3-4CBA-B2EC-AD7F03D69370}" type="datetimeFigureOut">
               <a:rPr lang="en-US" smtClean="0"/>
-              <a:t>1/31/2020</a:t>
+              <a:t>2/5/2020</a:t>
             </a:fld>
             <a:endParaRPr lang="en-US" dirty="0"/>
           </a:p>
@@ -12697,7 +12697,7 @@
           <a:p>
             <a:fld id="{15DE2593-7DD3-4CBA-B2EC-AD7F03D69370}" type="datetimeFigureOut">
               <a:rPr lang="en-US" smtClean="0"/>
-              <a:t>1/31/2020</a:t>
+              <a:t>2/5/2020</a:t>
             </a:fld>
             <a:endParaRPr lang="en-US" dirty="0"/>
           </a:p>
@@ -13109,7 +13109,7 @@
           <a:p>
             <a:fld id="{15DE2593-7DD3-4CBA-B2EC-AD7F03D69370}" type="datetimeFigureOut">
               <a:rPr lang="en-US" smtClean="0"/>
-              <a:t>1/31/2020</a:t>
+              <a:t>2/5/2020</a:t>
             </a:fld>
             <a:endParaRPr lang="en-US" dirty="0"/>
           </a:p>
@@ -13250,7 +13250,7 @@
           <a:p>
             <a:fld id="{15DE2593-7DD3-4CBA-B2EC-AD7F03D69370}" type="datetimeFigureOut">
               <a:rPr lang="en-US" smtClean="0"/>
-              <a:t>1/31/2020</a:t>
+              <a:t>2/5/2020</a:t>
             </a:fld>
             <a:endParaRPr lang="en-US" dirty="0"/>
           </a:p>
@@ -13363,7 +13363,7 @@
           <a:p>
             <a:fld id="{15DE2593-7DD3-4CBA-B2EC-AD7F03D69370}" type="datetimeFigureOut">
               <a:rPr lang="en-US" smtClean="0"/>
-              <a:t>1/31/2020</a:t>
+              <a:t>2/5/2020</a:t>
             </a:fld>
             <a:endParaRPr lang="en-US" dirty="0"/>
           </a:p>
@@ -13674,7 +13674,7 @@
           <a:p>
             <a:fld id="{15DE2593-7DD3-4CBA-B2EC-AD7F03D69370}" type="datetimeFigureOut">
               <a:rPr lang="en-US" smtClean="0"/>
-              <a:t>1/31/2020</a:t>
+              <a:t>2/5/2020</a:t>
             </a:fld>
             <a:endParaRPr lang="en-US" dirty="0"/>
           </a:p>
@@ -13962,7 +13962,7 @@
           <a:p>
             <a:fld id="{15DE2593-7DD3-4CBA-B2EC-AD7F03D69370}" type="datetimeFigureOut">
               <a:rPr lang="en-US" smtClean="0"/>
-              <a:t>1/31/2020</a:t>
+              <a:t>2/5/2020</a:t>
             </a:fld>
             <a:endParaRPr lang="en-US" dirty="0"/>
           </a:p>
@@ -14206,7 +14206,7 @@
           <a:p>
             <a:fld id="{15DE2593-7DD3-4CBA-B2EC-AD7F03D69370}" type="datetimeFigureOut">
               <a:rPr lang="en-US" smtClean="0"/>
-              <a:t>1/31/2020</a:t>
+              <a:t>2/5/2020</a:t>
             </a:fld>
             <a:endParaRPr lang="en-US" dirty="0"/>
           </a:p>
@@ -17277,7 +17277,7 @@
             </a:pPr>
             <a:r>
               <a:rPr lang="en-US" sz="2800" dirty="0"/>
-              <a:t>Max of 3 each time through</a:t>
+              <a:t>Max of 4 each time through</a:t>
             </a:r>
           </a:p>
           <a:p>
@@ -17287,11 +17287,11 @@
             </a:pPr>
             <a:r>
               <a:rPr lang="en-US" sz="2800" dirty="0"/>
-              <a:t>Max = 3</a:t>
+              <a:t>Max = 4</a:t>
             </a:r>
             <a:r>
               <a:rPr lang="en-US" sz="2800" i="1" dirty="0"/>
-              <a:t>N/2 = 1.5N</a:t>
+              <a:t>N/2 = 2N</a:t>
             </a:r>
             <a:endParaRPr lang="en-US" sz="2800" dirty="0"/>
           </a:p>
@@ -17318,7 +17318,6 @@
               <a:rPr lang="en-US" sz="2800" i="1" dirty="0"/>
               <a:t>2N/2 = N</a:t>
             </a:r>
-            <a:endParaRPr lang="en-US" sz="2800" dirty="0"/>
           </a:p>
         </p:txBody>
       </p:sp>
@@ -37728,12 +37727,6 @@
 </file>
 
 <file path=customXml/item1.xml><?xml version="1.0" encoding="utf-8"?>
-<p:properties xmlns:p="http://schemas.microsoft.com/office/2006/metadata/properties" xmlns:xsi="http://www.w3.org/2001/XMLSchema-instance" xmlns:pc="http://schemas.microsoft.com/office/infopath/2007/PartnerControls">
-  <documentManagement/>
-</p:properties>
-</file>
-
-<file path=customXml/item2.xml><?xml version="1.0" encoding="utf-8"?>
 <ct:contentTypeSchema xmlns:ct="http://schemas.microsoft.com/office/2006/metadata/contentType" xmlns:ma="http://schemas.microsoft.com/office/2006/metadata/properties/metaAttributes" ct:_="" ma:_="" ma:contentTypeName="Document" ma:contentTypeID="0x01010083F0F5F090D6FE4C9D66FF879A7CC7B3" ma:contentTypeVersion="9" ma:contentTypeDescription="Create a new document." ma:contentTypeScope="" ma:versionID="606f2283565418712a5a3267706a5f5d">
   <xsd:schema xmlns:xsd="http://www.w3.org/2001/XMLSchema" xmlns:xs="http://www.w3.org/2001/XMLSchema" xmlns:p="http://schemas.microsoft.com/office/2006/metadata/properties" xmlns:ns2="58c44ba5-51a4-40bc-b9f0-9fe2032e2130" targetNamespace="http://schemas.microsoft.com/office/2006/metadata/properties" ma:root="true" ma:fieldsID="0d021ce73d87f7988edb471f4256858c" ns2:_="">
     <xsd:import namespace="58c44ba5-51a4-40bc-b9f0-9fe2032e2130"/>
@@ -37911,6 +37904,12 @@
 </ct:contentTypeSchema>
 </file>
 
+<file path=customXml/item2.xml><?xml version="1.0" encoding="utf-8"?>
+<p:properties xmlns:p="http://schemas.microsoft.com/office/2006/metadata/properties" xmlns:xsi="http://www.w3.org/2001/XMLSchema-instance" xmlns:pc="http://schemas.microsoft.com/office/infopath/2007/PartnerControls">
+  <documentManagement/>
+</p:properties>
+</file>
+
 <file path=customXml/item3.xml><?xml version="1.0" encoding="utf-8"?>
 <?mso-contentType ?>
 <FormTemplates xmlns="http://schemas.microsoft.com/sharepoint/v3/contenttype/forms">
@@ -37921,15 +37920,6 @@
 </file>
 
 <file path=customXml/itemProps1.xml><?xml version="1.0" encoding="utf-8"?>
-<ds:datastoreItem xmlns:ds="http://schemas.openxmlformats.org/officeDocument/2006/customXml" ds:itemID="{1091C435-747D-4FFA-9672-3C4E123F79F3}">
-  <ds:schemaRefs>
-    <ds:schemaRef ds:uri="http://schemas.microsoft.com/office/2006/metadata/properties"/>
-    <ds:schemaRef ds:uri="http://schemas.microsoft.com/office/infopath/2007/PartnerControls"/>
-  </ds:schemaRefs>
-</ds:datastoreItem>
-</file>
-
-<file path=customXml/itemProps2.xml><?xml version="1.0" encoding="utf-8"?>
 <ds:datastoreItem xmlns:ds="http://schemas.openxmlformats.org/officeDocument/2006/customXml" ds:itemID="{29605D0F-DB16-41D7-85BA-80FD23F9D4BC}">
   <ds:schemaRefs>
     <ds:schemaRef ds:uri="http://schemas.microsoft.com/office/2006/metadata/contentType"/>
@@ -37947,6 +37937,15 @@
 </ds:datastoreItem>
 </file>
 
+<file path=customXml/itemProps2.xml><?xml version="1.0" encoding="utf-8"?>
+<ds:datastoreItem xmlns:ds="http://schemas.openxmlformats.org/officeDocument/2006/customXml" ds:itemID="{1091C435-747D-4FFA-9672-3C4E123F79F3}">
+  <ds:schemaRefs>
+    <ds:schemaRef ds:uri="http://schemas.microsoft.com/office/2006/metadata/properties"/>
+    <ds:schemaRef ds:uri="http://schemas.microsoft.com/office/infopath/2007/PartnerControls"/>
+  </ds:schemaRefs>
+</ds:datastoreItem>
+</file>
+
 <file path=customXml/itemProps3.xml><?xml version="1.0" encoding="utf-8"?>
 <ds:datastoreItem xmlns:ds="http://schemas.openxmlformats.org/officeDocument/2006/customXml" ds:itemID="{C7AE92EF-36AB-4FBF-8B40-C1E0054F61CB}">
   <ds:schemaRefs>

--- a/content/3-cc310/03-program-contract-performance/06-time-complexity-slides.pptx
+++ b/content/3-cc310/03-program-contract-performance/06-time-complexity-slides.pptx
@@ -24590,932 +24590,6 @@
   <p:clrMapOvr>
     <a:masterClrMapping/>
   </p:clrMapOvr>
-  <p:timing>
-    <p:tnLst>
-      <p:par>
-        <p:cTn id="1" dur="indefinite" restart="never" nodeType="tmRoot">
-          <p:childTnLst>
-            <p:seq concurrent="1" nextAc="seek">
-              <p:cTn id="2" dur="indefinite" nodeType="mainSeq">
-                <p:childTnLst>
-                  <p:par>
-                    <p:cTn id="3" fill="hold">
-                      <p:stCondLst>
-                        <p:cond delay="indefinite"/>
-                      </p:stCondLst>
-                      <p:childTnLst>
-                        <p:par>
-                          <p:cTn id="4" fill="hold">
-                            <p:stCondLst>
-                              <p:cond delay="0"/>
-                            </p:stCondLst>
-                            <p:childTnLst>
-                              <p:par>
-                                <p:cTn id="5" presetID="7" presetClass="emph" presetSubtype="1" nodeType="clickEffect">
-                                  <p:stCondLst>
-                                    <p:cond delay="0"/>
-                                  </p:stCondLst>
-                                  <p:childTnLst>
-                                    <p:set>
-                                      <p:cBhvr>
-                                        <p:cTn id="6" dur="2000"/>
-                                        <p:tgtEl>
-                                          <p:spTgt spid="41"/>
-                                        </p:tgtEl>
-                                        <p:attrNameLst>
-                                          <p:attrName>stroke.color</p:attrName>
-                                        </p:attrNameLst>
-                                      </p:cBhvr>
-                                      <p:to>
-                                        <p:clrVal>
-                                          <a:schemeClr val="accent2"/>
-                                        </p:clrVal>
-                                      </p:to>
-                                    </p:set>
-                                    <p:set>
-                                      <p:cBhvr>
-                                        <p:cTn id="7" dur="2000"/>
-                                        <p:tgtEl>
-                                          <p:spTgt spid="41"/>
-                                        </p:tgtEl>
-                                        <p:attrNameLst>
-                                          <p:attrName>stroke.on</p:attrName>
-                                        </p:attrNameLst>
-                                      </p:cBhvr>
-                                      <p:to>
-                                        <p:strVal val="true"/>
-                                      </p:to>
-                                    </p:set>
-                                  </p:childTnLst>
-                                </p:cTn>
-                              </p:par>
-                            </p:childTnLst>
-                          </p:cTn>
-                        </p:par>
-                      </p:childTnLst>
-                    </p:cTn>
-                  </p:par>
-                  <p:par>
-                    <p:cTn id="8" fill="hold">
-                      <p:stCondLst>
-                        <p:cond delay="indefinite"/>
-                      </p:stCondLst>
-                      <p:childTnLst>
-                        <p:par>
-                          <p:cTn id="9" fill="hold">
-                            <p:stCondLst>
-                              <p:cond delay="0"/>
-                            </p:stCondLst>
-                            <p:childTnLst>
-                              <p:par>
-                                <p:cTn id="10" presetID="7" presetClass="emph" presetSubtype="1" repeatCount="indefinite" nodeType="clickEffect">
-                                  <p:stCondLst>
-                                    <p:cond delay="0"/>
-                                  </p:stCondLst>
-                                  <p:endCondLst>
-                                    <p:cond evt="onNext" delay="0">
-                                      <p:tgtEl>
-                                        <p:sldTgt/>
-                                      </p:tgtEl>
-                                    </p:cond>
-                                  </p:endCondLst>
-                                  <p:childTnLst>
-                                    <p:set>
-                                      <p:cBhvr>
-                                        <p:cTn id="11" dur="indefinite"/>
-                                        <p:tgtEl>
-                                          <p:spTgt spid="43"/>
-                                        </p:tgtEl>
-                                        <p:attrNameLst>
-                                          <p:attrName>stroke.color</p:attrName>
-                                        </p:attrNameLst>
-                                      </p:cBhvr>
-                                      <p:to>
-                                        <p:clrVal>
-                                          <a:schemeClr val="accent2"/>
-                                        </p:clrVal>
-                                      </p:to>
-                                    </p:set>
-                                    <p:set>
-                                      <p:cBhvr>
-                                        <p:cTn id="12" dur="indefinite"/>
-                                        <p:tgtEl>
-                                          <p:spTgt spid="43"/>
-                                        </p:tgtEl>
-                                        <p:attrNameLst>
-                                          <p:attrName>stroke.on</p:attrName>
-                                        </p:attrNameLst>
-                                      </p:cBhvr>
-                                      <p:to>
-                                        <p:strVal val="true"/>
-                                      </p:to>
-                                    </p:set>
-                                  </p:childTnLst>
-                                </p:cTn>
-                              </p:par>
-                              <p:par>
-                                <p:cTn id="13" presetID="3" presetClass="emph" presetSubtype="1" repeatCount="indefinite" nodeType="withEffect">
-                                  <p:stCondLst>
-                                    <p:cond delay="100"/>
-                                  </p:stCondLst>
-                                  <p:endCondLst>
-                                    <p:cond evt="onNext" delay="0">
-                                      <p:tgtEl>
-                                        <p:sldTgt/>
-                                      </p:tgtEl>
-                                    </p:cond>
-                                  </p:endCondLst>
-                                  <p:childTnLst>
-                                    <p:set>
-                                      <p:cBhvr override="childStyle">
-                                        <p:cTn id="14" dur="indefinite"/>
-                                        <p:tgtEl>
-                                          <p:spTgt spid="45">
-                                            <p:txEl>
-                                              <p:pRg st="0" end="0"/>
-                                            </p:txEl>
-                                          </p:spTgt>
-                                        </p:tgtEl>
-                                        <p:attrNameLst>
-                                          <p:attrName>style.color</p:attrName>
-                                        </p:attrNameLst>
-                                      </p:cBhvr>
-                                      <p:to>
-                                        <p:clrVal>
-                                          <a:schemeClr val="accent2"/>
-                                        </p:clrVal>
-                                      </p:to>
-                                    </p:set>
-                                  </p:childTnLst>
-                                </p:cTn>
-                              </p:par>
-                            </p:childTnLst>
-                          </p:cTn>
-                        </p:par>
-                      </p:childTnLst>
-                    </p:cTn>
-                  </p:par>
-                  <p:par>
-                    <p:cTn id="15" fill="hold">
-                      <p:stCondLst>
-                        <p:cond delay="indefinite"/>
-                      </p:stCondLst>
-                      <p:childTnLst>
-                        <p:par>
-                          <p:cTn id="16" fill="hold">
-                            <p:stCondLst>
-                              <p:cond delay="0"/>
-                            </p:stCondLst>
-                            <p:childTnLst>
-                              <p:par>
-                                <p:cTn id="17" presetID="7" presetClass="emph" presetSubtype="1" nodeType="clickEffect">
-                                  <p:stCondLst>
-                                    <p:cond delay="0"/>
-                                  </p:stCondLst>
-                                  <p:endCondLst>
-                                    <p:cond evt="onNext" delay="0">
-                                      <p:tgtEl>
-                                        <p:sldTgt/>
-                                      </p:tgtEl>
-                                    </p:cond>
-                                  </p:endCondLst>
-                                  <p:childTnLst>
-                                    <p:set>
-                                      <p:cBhvr>
-                                        <p:cTn id="18" dur="indefinite"/>
-                                        <p:tgtEl>
-                                          <p:spTgt spid="44"/>
-                                        </p:tgtEl>
-                                        <p:attrNameLst>
-                                          <p:attrName>stroke.color</p:attrName>
-                                        </p:attrNameLst>
-                                      </p:cBhvr>
-                                      <p:to>
-                                        <p:clrVal>
-                                          <a:srgbClr val="ED7D31"/>
-                                        </p:clrVal>
-                                      </p:to>
-                                    </p:set>
-                                    <p:set>
-                                      <p:cBhvr>
-                                        <p:cTn id="19" dur="indefinite"/>
-                                        <p:tgtEl>
-                                          <p:spTgt spid="44"/>
-                                        </p:tgtEl>
-                                        <p:attrNameLst>
-                                          <p:attrName>stroke.on</p:attrName>
-                                        </p:attrNameLst>
-                                      </p:cBhvr>
-                                      <p:to>
-                                        <p:strVal val="true"/>
-                                      </p:to>
-                                    </p:set>
-                                  </p:childTnLst>
-                                </p:cTn>
-                              </p:par>
-                            </p:childTnLst>
-                          </p:cTn>
-                        </p:par>
-                      </p:childTnLst>
-                    </p:cTn>
-                  </p:par>
-                  <p:par>
-                    <p:cTn id="20" fill="hold">
-                      <p:stCondLst>
-                        <p:cond delay="indefinite"/>
-                      </p:stCondLst>
-                      <p:childTnLst>
-                        <p:par>
-                          <p:cTn id="21" fill="hold">
-                            <p:stCondLst>
-                              <p:cond delay="0"/>
-                            </p:stCondLst>
-                            <p:childTnLst>
-                              <p:par>
-                                <p:cTn id="22" presetID="7" presetClass="emph" presetSubtype="1" nodeType="clickEffect">
-                                  <p:stCondLst>
-                                    <p:cond delay="0"/>
-                                  </p:stCondLst>
-                                  <p:endCondLst>
-                                    <p:cond evt="onNext" delay="0">
-                                      <p:tgtEl>
-                                        <p:sldTgt/>
-                                      </p:tgtEl>
-                                    </p:cond>
-                                  </p:endCondLst>
-                                  <p:childTnLst>
-                                    <p:set>
-                                      <p:cBhvr>
-                                        <p:cTn id="23" dur="indefinite"/>
-                                        <p:tgtEl>
-                                          <p:spTgt spid="42"/>
-                                        </p:tgtEl>
-                                        <p:attrNameLst>
-                                          <p:attrName>stroke.color</p:attrName>
-                                        </p:attrNameLst>
-                                      </p:cBhvr>
-                                      <p:to>
-                                        <p:clrVal>
-                                          <a:schemeClr val="accent2"/>
-                                        </p:clrVal>
-                                      </p:to>
-                                    </p:set>
-                                    <p:set>
-                                      <p:cBhvr>
-                                        <p:cTn id="24" dur="indefinite"/>
-                                        <p:tgtEl>
-                                          <p:spTgt spid="42"/>
-                                        </p:tgtEl>
-                                        <p:attrNameLst>
-                                          <p:attrName>stroke.on</p:attrName>
-                                        </p:attrNameLst>
-                                      </p:cBhvr>
-                                      <p:to>
-                                        <p:strVal val="true"/>
-                                      </p:to>
-                                    </p:set>
-                                  </p:childTnLst>
-                                </p:cTn>
-                              </p:par>
-                              <p:par>
-                                <p:cTn id="25" presetID="3" presetClass="emph" presetSubtype="1" grpId="0" nodeType="withEffect">
-                                  <p:stCondLst>
-                                    <p:cond delay="0"/>
-                                  </p:stCondLst>
-                                  <p:endCondLst>
-                                    <p:cond evt="onNext" delay="0">
-                                      <p:tgtEl>
-                                        <p:sldTgt/>
-                                      </p:tgtEl>
-                                    </p:cond>
-                                  </p:endCondLst>
-                                  <p:childTnLst>
-                                    <p:set>
-                                      <p:cBhvr override="childStyle">
-                                        <p:cTn id="26" dur="indefinite"/>
-                                        <p:tgtEl>
-                                          <p:spTgt spid="46"/>
-                                        </p:tgtEl>
-                                        <p:attrNameLst>
-                                          <p:attrName>style.color</p:attrName>
-                                        </p:attrNameLst>
-                                      </p:cBhvr>
-                                      <p:to>
-                                        <p:clrVal>
-                                          <a:schemeClr val="accent2"/>
-                                        </p:clrVal>
-                                      </p:to>
-                                    </p:set>
-                                  </p:childTnLst>
-                                </p:cTn>
-                              </p:par>
-                            </p:childTnLst>
-                          </p:cTn>
-                        </p:par>
-                      </p:childTnLst>
-                    </p:cTn>
-                  </p:par>
-                  <p:par>
-                    <p:cTn id="27" fill="hold">
-                      <p:stCondLst>
-                        <p:cond delay="indefinite"/>
-                      </p:stCondLst>
-                      <p:childTnLst>
-                        <p:par>
-                          <p:cTn id="28" fill="hold">
-                            <p:stCondLst>
-                              <p:cond delay="0"/>
-                            </p:stCondLst>
-                            <p:childTnLst>
-                              <p:par>
-                                <p:cTn id="29" presetID="7" presetClass="emph" presetSubtype="1" repeatCount="indefinite" nodeType="clickEffect">
-                                  <p:stCondLst>
-                                    <p:cond delay="0"/>
-                                  </p:stCondLst>
-                                  <p:endCondLst>
-                                    <p:cond evt="onNext" delay="0">
-                                      <p:tgtEl>
-                                        <p:sldTgt/>
-                                      </p:tgtEl>
-                                    </p:cond>
-                                  </p:endCondLst>
-                                  <p:childTnLst>
-                                    <p:set>
-                                      <p:cBhvr>
-                                        <p:cTn id="30" dur="indefinite"/>
-                                        <p:tgtEl>
-                                          <p:spTgt spid="47"/>
-                                        </p:tgtEl>
-                                        <p:attrNameLst>
-                                          <p:attrName>stroke.color</p:attrName>
-                                        </p:attrNameLst>
-                                      </p:cBhvr>
-                                      <p:to>
-                                        <p:clrVal>
-                                          <a:schemeClr val="accent2"/>
-                                        </p:clrVal>
-                                      </p:to>
-                                    </p:set>
-                                    <p:set>
-                                      <p:cBhvr>
-                                        <p:cTn id="31" dur="indefinite"/>
-                                        <p:tgtEl>
-                                          <p:spTgt spid="47"/>
-                                        </p:tgtEl>
-                                        <p:attrNameLst>
-                                          <p:attrName>stroke.on</p:attrName>
-                                        </p:attrNameLst>
-                                      </p:cBhvr>
-                                      <p:to>
-                                        <p:strVal val="true"/>
-                                      </p:to>
-                                    </p:set>
-                                  </p:childTnLst>
-                                </p:cTn>
-                              </p:par>
-                            </p:childTnLst>
-                          </p:cTn>
-                        </p:par>
-                      </p:childTnLst>
-                    </p:cTn>
-                  </p:par>
-                  <p:par>
-                    <p:cTn id="32" fill="hold">
-                      <p:stCondLst>
-                        <p:cond delay="indefinite"/>
-                      </p:stCondLst>
-                      <p:childTnLst>
-                        <p:par>
-                          <p:cTn id="33" fill="hold">
-                            <p:stCondLst>
-                              <p:cond delay="0"/>
-                            </p:stCondLst>
-                            <p:childTnLst>
-                              <p:par>
-                                <p:cTn id="34" presetID="7" presetClass="emph" presetSubtype="1" repeatCount="indefinite" nodeType="clickEffect">
-                                  <p:stCondLst>
-                                    <p:cond delay="0"/>
-                                  </p:stCondLst>
-                                  <p:endCondLst>
-                                    <p:cond evt="onNext" delay="0">
-                                      <p:tgtEl>
-                                        <p:sldTgt/>
-                                      </p:tgtEl>
-                                    </p:cond>
-                                  </p:endCondLst>
-                                  <p:childTnLst>
-                                    <p:set>
-                                      <p:cBhvr>
-                                        <p:cTn id="35" dur="indefinite"/>
-                                        <p:tgtEl>
-                                          <p:spTgt spid="53"/>
-                                        </p:tgtEl>
-                                        <p:attrNameLst>
-                                          <p:attrName>stroke.color</p:attrName>
-                                        </p:attrNameLst>
-                                      </p:cBhvr>
-                                      <p:to>
-                                        <p:clrVal>
-                                          <a:schemeClr val="accent2"/>
-                                        </p:clrVal>
-                                      </p:to>
-                                    </p:set>
-                                    <p:set>
-                                      <p:cBhvr>
-                                        <p:cTn id="36" dur="indefinite"/>
-                                        <p:tgtEl>
-                                          <p:spTgt spid="53"/>
-                                        </p:tgtEl>
-                                        <p:attrNameLst>
-                                          <p:attrName>stroke.on</p:attrName>
-                                        </p:attrNameLst>
-                                      </p:cBhvr>
-                                      <p:to>
-                                        <p:strVal val="true"/>
-                                      </p:to>
-                                    </p:set>
-                                  </p:childTnLst>
-                                </p:cTn>
-                              </p:par>
-                            </p:childTnLst>
-                          </p:cTn>
-                        </p:par>
-                      </p:childTnLst>
-                    </p:cTn>
-                  </p:par>
-                  <p:par>
-                    <p:cTn id="37" fill="hold">
-                      <p:stCondLst>
-                        <p:cond delay="indefinite"/>
-                      </p:stCondLst>
-                      <p:childTnLst>
-                        <p:par>
-                          <p:cTn id="38" fill="hold">
-                            <p:stCondLst>
-                              <p:cond delay="0"/>
-                            </p:stCondLst>
-                            <p:childTnLst>
-                              <p:par>
-                                <p:cTn id="39" presetID="7" presetClass="emph" presetSubtype="1" repeatCount="indefinite" nodeType="clickEffect">
-                                  <p:stCondLst>
-                                    <p:cond delay="0"/>
-                                  </p:stCondLst>
-                                  <p:endCondLst>
-                                    <p:cond evt="onNext" delay="0">
-                                      <p:tgtEl>
-                                        <p:sldTgt/>
-                                      </p:tgtEl>
-                                    </p:cond>
-                                  </p:endCondLst>
-                                  <p:childTnLst>
-                                    <p:set>
-                                      <p:cBhvr>
-                                        <p:cTn id="40" dur="indefinite"/>
-                                        <p:tgtEl>
-                                          <p:spTgt spid="54"/>
-                                        </p:tgtEl>
-                                        <p:attrNameLst>
-                                          <p:attrName>stroke.color</p:attrName>
-                                        </p:attrNameLst>
-                                      </p:cBhvr>
-                                      <p:to>
-                                        <p:clrVal>
-                                          <a:schemeClr val="accent2"/>
-                                        </p:clrVal>
-                                      </p:to>
-                                    </p:set>
-                                    <p:set>
-                                      <p:cBhvr>
-                                        <p:cTn id="41" dur="indefinite"/>
-                                        <p:tgtEl>
-                                          <p:spTgt spid="54"/>
-                                        </p:tgtEl>
-                                        <p:attrNameLst>
-                                          <p:attrName>stroke.on</p:attrName>
-                                        </p:attrNameLst>
-                                      </p:cBhvr>
-                                      <p:to>
-                                        <p:strVal val="true"/>
-                                      </p:to>
-                                    </p:set>
-                                  </p:childTnLst>
-                                </p:cTn>
-                              </p:par>
-                            </p:childTnLst>
-                          </p:cTn>
-                        </p:par>
-                      </p:childTnLst>
-                    </p:cTn>
-                  </p:par>
-                  <p:par>
-                    <p:cTn id="42" fill="hold">
-                      <p:stCondLst>
-                        <p:cond delay="indefinite"/>
-                      </p:stCondLst>
-                      <p:childTnLst>
-                        <p:par>
-                          <p:cTn id="43" fill="hold">
-                            <p:stCondLst>
-                              <p:cond delay="0"/>
-                            </p:stCondLst>
-                            <p:childTnLst>
-                              <p:par>
-                                <p:cTn id="44" presetID="7" presetClass="emph" presetSubtype="1" repeatCount="indefinite" nodeType="clickEffect">
-                                  <p:stCondLst>
-                                    <p:cond delay="0"/>
-                                  </p:stCondLst>
-                                  <p:endCondLst>
-                                    <p:cond evt="onNext" delay="0">
-                                      <p:tgtEl>
-                                        <p:sldTgt/>
-                                      </p:tgtEl>
-                                    </p:cond>
-                                  </p:endCondLst>
-                                  <p:childTnLst>
-                                    <p:set>
-                                      <p:cBhvr>
-                                        <p:cTn id="45" dur="indefinite"/>
-                                        <p:tgtEl>
-                                          <p:spTgt spid="55"/>
-                                        </p:tgtEl>
-                                        <p:attrNameLst>
-                                          <p:attrName>stroke.color</p:attrName>
-                                        </p:attrNameLst>
-                                      </p:cBhvr>
-                                      <p:to>
-                                        <p:clrVal>
-                                          <a:schemeClr val="accent2"/>
-                                        </p:clrVal>
-                                      </p:to>
-                                    </p:set>
-                                    <p:set>
-                                      <p:cBhvr>
-                                        <p:cTn id="46" dur="indefinite"/>
-                                        <p:tgtEl>
-                                          <p:spTgt spid="55"/>
-                                        </p:tgtEl>
-                                        <p:attrNameLst>
-                                          <p:attrName>stroke.on</p:attrName>
-                                        </p:attrNameLst>
-                                      </p:cBhvr>
-                                      <p:to>
-                                        <p:strVal val="true"/>
-                                      </p:to>
-                                    </p:set>
-                                  </p:childTnLst>
-                                </p:cTn>
-                              </p:par>
-                            </p:childTnLst>
-                          </p:cTn>
-                        </p:par>
-                      </p:childTnLst>
-                    </p:cTn>
-                  </p:par>
-                  <p:par>
-                    <p:cTn id="47" fill="hold">
-                      <p:stCondLst>
-                        <p:cond delay="indefinite"/>
-                      </p:stCondLst>
-                      <p:childTnLst>
-                        <p:par>
-                          <p:cTn id="48" fill="hold">
-                            <p:stCondLst>
-                              <p:cond delay="0"/>
-                            </p:stCondLst>
-                            <p:childTnLst>
-                              <p:par>
-                                <p:cTn id="49" presetID="7" presetClass="emph" presetSubtype="1" repeatCount="indefinite" nodeType="clickEffect">
-                                  <p:stCondLst>
-                                    <p:cond delay="0"/>
-                                  </p:stCondLst>
-                                  <p:endCondLst>
-                                    <p:cond evt="onNext" delay="0">
-                                      <p:tgtEl>
-                                        <p:sldTgt/>
-                                      </p:tgtEl>
-                                    </p:cond>
-                                  </p:endCondLst>
-                                  <p:childTnLst>
-                                    <p:set>
-                                      <p:cBhvr>
-                                        <p:cTn id="50" dur="indefinite"/>
-                                        <p:tgtEl>
-                                          <p:spTgt spid="56"/>
-                                        </p:tgtEl>
-                                        <p:attrNameLst>
-                                          <p:attrName>stroke.color</p:attrName>
-                                        </p:attrNameLst>
-                                      </p:cBhvr>
-                                      <p:to>
-                                        <p:clrVal>
-                                          <a:schemeClr val="accent2"/>
-                                        </p:clrVal>
-                                      </p:to>
-                                    </p:set>
-                                    <p:set>
-                                      <p:cBhvr>
-                                        <p:cTn id="51" dur="indefinite"/>
-                                        <p:tgtEl>
-                                          <p:spTgt spid="56"/>
-                                        </p:tgtEl>
-                                        <p:attrNameLst>
-                                          <p:attrName>stroke.on</p:attrName>
-                                        </p:attrNameLst>
-                                      </p:cBhvr>
-                                      <p:to>
-                                        <p:strVal val="true"/>
-                                      </p:to>
-                                    </p:set>
-                                  </p:childTnLst>
-                                </p:cTn>
-                              </p:par>
-                            </p:childTnLst>
-                          </p:cTn>
-                        </p:par>
-                      </p:childTnLst>
-                    </p:cTn>
-                  </p:par>
-                  <p:par>
-                    <p:cTn id="52" fill="hold">
-                      <p:stCondLst>
-                        <p:cond delay="indefinite"/>
-                      </p:stCondLst>
-                      <p:childTnLst>
-                        <p:par>
-                          <p:cTn id="53" fill="hold">
-                            <p:stCondLst>
-                              <p:cond delay="0"/>
-                            </p:stCondLst>
-                            <p:childTnLst>
-                              <p:par>
-                                <p:cTn id="54" presetID="7" presetClass="emph" presetSubtype="1" repeatCount="indefinite" nodeType="clickEffect">
-                                  <p:stCondLst>
-                                    <p:cond delay="0"/>
-                                  </p:stCondLst>
-                                  <p:endCondLst>
-                                    <p:cond evt="onNext" delay="0">
-                                      <p:tgtEl>
-                                        <p:sldTgt/>
-                                      </p:tgtEl>
-                                    </p:cond>
-                                  </p:endCondLst>
-                                  <p:childTnLst>
-                                    <p:set>
-                                      <p:cBhvr>
-                                        <p:cTn id="55" dur="indefinite"/>
-                                        <p:tgtEl>
-                                          <p:spTgt spid="57"/>
-                                        </p:tgtEl>
-                                        <p:attrNameLst>
-                                          <p:attrName>stroke.color</p:attrName>
-                                        </p:attrNameLst>
-                                      </p:cBhvr>
-                                      <p:to>
-                                        <p:clrVal>
-                                          <a:schemeClr val="accent2"/>
-                                        </p:clrVal>
-                                      </p:to>
-                                    </p:set>
-                                    <p:set>
-                                      <p:cBhvr>
-                                        <p:cTn id="56" dur="indefinite"/>
-                                        <p:tgtEl>
-                                          <p:spTgt spid="57"/>
-                                        </p:tgtEl>
-                                        <p:attrNameLst>
-                                          <p:attrName>stroke.on</p:attrName>
-                                        </p:attrNameLst>
-                                      </p:cBhvr>
-                                      <p:to>
-                                        <p:strVal val="true"/>
-                                      </p:to>
-                                    </p:set>
-                                  </p:childTnLst>
-                                </p:cTn>
-                              </p:par>
-                            </p:childTnLst>
-                          </p:cTn>
-                        </p:par>
-                      </p:childTnLst>
-                    </p:cTn>
-                  </p:par>
-                  <p:par>
-                    <p:cTn id="57" fill="hold">
-                      <p:stCondLst>
-                        <p:cond delay="indefinite"/>
-                      </p:stCondLst>
-                      <p:childTnLst>
-                        <p:par>
-                          <p:cTn id="58" fill="hold">
-                            <p:stCondLst>
-                              <p:cond delay="0"/>
-                            </p:stCondLst>
-                            <p:childTnLst>
-                              <p:par>
-                                <p:cTn id="59" presetID="7" presetClass="emph" presetSubtype="1" repeatCount="indefinite" nodeType="clickEffect">
-                                  <p:stCondLst>
-                                    <p:cond delay="0"/>
-                                  </p:stCondLst>
-                                  <p:endCondLst>
-                                    <p:cond evt="onNext" delay="0">
-                                      <p:tgtEl>
-                                        <p:sldTgt/>
-                                      </p:tgtEl>
-                                    </p:cond>
-                                  </p:endCondLst>
-                                  <p:childTnLst>
-                                    <p:set>
-                                      <p:cBhvr>
-                                        <p:cTn id="60" dur="indefinite"/>
-                                        <p:tgtEl>
-                                          <p:spTgt spid="58"/>
-                                        </p:tgtEl>
-                                        <p:attrNameLst>
-                                          <p:attrName>stroke.color</p:attrName>
-                                        </p:attrNameLst>
-                                      </p:cBhvr>
-                                      <p:to>
-                                        <p:clrVal>
-                                          <a:schemeClr val="accent2"/>
-                                        </p:clrVal>
-                                      </p:to>
-                                    </p:set>
-                                    <p:set>
-                                      <p:cBhvr>
-                                        <p:cTn id="61" dur="indefinite"/>
-                                        <p:tgtEl>
-                                          <p:spTgt spid="58"/>
-                                        </p:tgtEl>
-                                        <p:attrNameLst>
-                                          <p:attrName>stroke.on</p:attrName>
-                                        </p:attrNameLst>
-                                      </p:cBhvr>
-                                      <p:to>
-                                        <p:strVal val="true"/>
-                                      </p:to>
-                                    </p:set>
-                                  </p:childTnLst>
-                                </p:cTn>
-                              </p:par>
-                            </p:childTnLst>
-                          </p:cTn>
-                        </p:par>
-                      </p:childTnLst>
-                    </p:cTn>
-                  </p:par>
-                  <p:par>
-                    <p:cTn id="62" fill="hold">
-                      <p:stCondLst>
-                        <p:cond delay="indefinite"/>
-                      </p:stCondLst>
-                      <p:childTnLst>
-                        <p:par>
-                          <p:cTn id="63" fill="hold">
-                            <p:stCondLst>
-                              <p:cond delay="0"/>
-                            </p:stCondLst>
-                            <p:childTnLst>
-                              <p:par>
-                                <p:cTn id="64" presetID="7" presetClass="emph" presetSubtype="1" repeatCount="indefinite" nodeType="clickEffect">
-                                  <p:stCondLst>
-                                    <p:cond delay="0"/>
-                                  </p:stCondLst>
-                                  <p:endCondLst>
-                                    <p:cond evt="onNext" delay="0">
-                                      <p:tgtEl>
-                                        <p:sldTgt/>
-                                      </p:tgtEl>
-                                    </p:cond>
-                                  </p:endCondLst>
-                                  <p:childTnLst>
-                                    <p:set>
-                                      <p:cBhvr>
-                                        <p:cTn id="65" dur="indefinite"/>
-                                        <p:tgtEl>
-                                          <p:spTgt spid="60"/>
-                                        </p:tgtEl>
-                                        <p:attrNameLst>
-                                          <p:attrName>stroke.color</p:attrName>
-                                        </p:attrNameLst>
-                                      </p:cBhvr>
-                                      <p:to>
-                                        <p:clrVal>
-                                          <a:schemeClr val="accent2"/>
-                                        </p:clrVal>
-                                      </p:to>
-                                    </p:set>
-                                    <p:set>
-                                      <p:cBhvr>
-                                        <p:cTn id="66" dur="indefinite"/>
-                                        <p:tgtEl>
-                                          <p:spTgt spid="60"/>
-                                        </p:tgtEl>
-                                        <p:attrNameLst>
-                                          <p:attrName>stroke.on</p:attrName>
-                                        </p:attrNameLst>
-                                      </p:cBhvr>
-                                      <p:to>
-                                        <p:strVal val="true"/>
-                                      </p:to>
-                                    </p:set>
-                                  </p:childTnLst>
-                                </p:cTn>
-                              </p:par>
-                            </p:childTnLst>
-                          </p:cTn>
-                        </p:par>
-                      </p:childTnLst>
-                    </p:cTn>
-                  </p:par>
-                  <p:par>
-                    <p:cTn id="67" fill="hold">
-                      <p:stCondLst>
-                        <p:cond delay="indefinite"/>
-                      </p:stCondLst>
-                      <p:childTnLst>
-                        <p:par>
-                          <p:cTn id="68" fill="hold">
-                            <p:stCondLst>
-                              <p:cond delay="0"/>
-                            </p:stCondLst>
-                            <p:childTnLst>
-                              <p:par>
-                                <p:cTn id="69" presetID="7" presetClass="emph" presetSubtype="1" repeatCount="indefinite" nodeType="clickEffect">
-                                  <p:stCondLst>
-                                    <p:cond delay="0"/>
-                                  </p:stCondLst>
-                                  <p:endCondLst>
-                                    <p:cond evt="onNext" delay="0">
-                                      <p:tgtEl>
-                                        <p:sldTgt/>
-                                      </p:tgtEl>
-                                    </p:cond>
-                                  </p:endCondLst>
-                                  <p:childTnLst>
-                                    <p:set>
-                                      <p:cBhvr>
-                                        <p:cTn id="70" dur="indefinite"/>
-                                        <p:tgtEl>
-                                          <p:spTgt spid="61"/>
-                                        </p:tgtEl>
-                                        <p:attrNameLst>
-                                          <p:attrName>stroke.color</p:attrName>
-                                        </p:attrNameLst>
-                                      </p:cBhvr>
-                                      <p:to>
-                                        <p:clrVal>
-                                          <a:schemeClr val="accent2"/>
-                                        </p:clrVal>
-                                      </p:to>
-                                    </p:set>
-                                    <p:set>
-                                      <p:cBhvr>
-                                        <p:cTn id="71" dur="indefinite"/>
-                                        <p:tgtEl>
-                                          <p:spTgt spid="61"/>
-                                        </p:tgtEl>
-                                        <p:attrNameLst>
-                                          <p:attrName>stroke.on</p:attrName>
-                                        </p:attrNameLst>
-                                      </p:cBhvr>
-                                      <p:to>
-                                        <p:strVal val="true"/>
-                                      </p:to>
-                                    </p:set>
-                                  </p:childTnLst>
-                                </p:cTn>
-                              </p:par>
-                            </p:childTnLst>
-                          </p:cTn>
-                        </p:par>
-                      </p:childTnLst>
-                    </p:cTn>
-                  </p:par>
-                </p:childTnLst>
-              </p:cTn>
-              <p:prevCondLst>
-                <p:cond evt="onPrev" delay="0">
-                  <p:tgtEl>
-                    <p:sldTgt/>
-                  </p:tgtEl>
-                </p:cond>
-              </p:prevCondLst>
-              <p:nextCondLst>
-                <p:cond evt="onNext" delay="0">
-                  <p:tgtEl>
-                    <p:sldTgt/>
-                  </p:tgtEl>
-                </p:cond>
-              </p:nextCondLst>
-            </p:seq>
-          </p:childTnLst>
-        </p:cTn>
-      </p:par>
-    </p:tnLst>
-    <p:bldLst>
-      <p:bldP spid="46" grpId="0"/>
-    </p:bldLst>
-  </p:timing>
 </p:sld>
 </file>
 
@@ -26905,932 +25979,6 @@
   <p:clrMapOvr>
     <a:masterClrMapping/>
   </p:clrMapOvr>
-  <p:timing>
-    <p:tnLst>
-      <p:par>
-        <p:cTn id="1" dur="indefinite" restart="never" nodeType="tmRoot">
-          <p:childTnLst>
-            <p:seq concurrent="1" nextAc="seek">
-              <p:cTn id="2" dur="indefinite" nodeType="mainSeq">
-                <p:childTnLst>
-                  <p:par>
-                    <p:cTn id="3" fill="hold">
-                      <p:stCondLst>
-                        <p:cond delay="indefinite"/>
-                      </p:stCondLst>
-                      <p:childTnLst>
-                        <p:par>
-                          <p:cTn id="4" fill="hold">
-                            <p:stCondLst>
-                              <p:cond delay="0"/>
-                            </p:stCondLst>
-                            <p:childTnLst>
-                              <p:par>
-                                <p:cTn id="5" presetID="7" presetClass="emph" presetSubtype="1" nodeType="clickEffect">
-                                  <p:stCondLst>
-                                    <p:cond delay="0"/>
-                                  </p:stCondLst>
-                                  <p:childTnLst>
-                                    <p:set>
-                                      <p:cBhvr>
-                                        <p:cTn id="6" dur="2000"/>
-                                        <p:tgtEl>
-                                          <p:spTgt spid="42"/>
-                                        </p:tgtEl>
-                                        <p:attrNameLst>
-                                          <p:attrName>stroke.color</p:attrName>
-                                        </p:attrNameLst>
-                                      </p:cBhvr>
-                                      <p:to>
-                                        <p:clrVal>
-                                          <a:schemeClr val="accent2"/>
-                                        </p:clrVal>
-                                      </p:to>
-                                    </p:set>
-                                    <p:set>
-                                      <p:cBhvr>
-                                        <p:cTn id="7" dur="2000"/>
-                                        <p:tgtEl>
-                                          <p:spTgt spid="42"/>
-                                        </p:tgtEl>
-                                        <p:attrNameLst>
-                                          <p:attrName>stroke.on</p:attrName>
-                                        </p:attrNameLst>
-                                      </p:cBhvr>
-                                      <p:to>
-                                        <p:strVal val="true"/>
-                                      </p:to>
-                                    </p:set>
-                                  </p:childTnLst>
-                                </p:cTn>
-                              </p:par>
-                            </p:childTnLst>
-                          </p:cTn>
-                        </p:par>
-                      </p:childTnLst>
-                    </p:cTn>
-                  </p:par>
-                  <p:par>
-                    <p:cTn id="8" fill="hold">
-                      <p:stCondLst>
-                        <p:cond delay="indefinite"/>
-                      </p:stCondLst>
-                      <p:childTnLst>
-                        <p:par>
-                          <p:cTn id="9" fill="hold">
-                            <p:stCondLst>
-                              <p:cond delay="0"/>
-                            </p:stCondLst>
-                            <p:childTnLst>
-                              <p:par>
-                                <p:cTn id="10" presetID="7" presetClass="emph" presetSubtype="1" repeatCount="indefinite" nodeType="clickEffect">
-                                  <p:stCondLst>
-                                    <p:cond delay="0"/>
-                                  </p:stCondLst>
-                                  <p:endCondLst>
-                                    <p:cond evt="onNext" delay="0">
-                                      <p:tgtEl>
-                                        <p:sldTgt/>
-                                      </p:tgtEl>
-                                    </p:cond>
-                                  </p:endCondLst>
-                                  <p:childTnLst>
-                                    <p:set>
-                                      <p:cBhvr>
-                                        <p:cTn id="11" dur="indefinite"/>
-                                        <p:tgtEl>
-                                          <p:spTgt spid="44"/>
-                                        </p:tgtEl>
-                                        <p:attrNameLst>
-                                          <p:attrName>stroke.color</p:attrName>
-                                        </p:attrNameLst>
-                                      </p:cBhvr>
-                                      <p:to>
-                                        <p:clrVal>
-                                          <a:schemeClr val="accent2"/>
-                                        </p:clrVal>
-                                      </p:to>
-                                    </p:set>
-                                    <p:set>
-                                      <p:cBhvr>
-                                        <p:cTn id="12" dur="indefinite"/>
-                                        <p:tgtEl>
-                                          <p:spTgt spid="44"/>
-                                        </p:tgtEl>
-                                        <p:attrNameLst>
-                                          <p:attrName>stroke.on</p:attrName>
-                                        </p:attrNameLst>
-                                      </p:cBhvr>
-                                      <p:to>
-                                        <p:strVal val="true"/>
-                                      </p:to>
-                                    </p:set>
-                                  </p:childTnLst>
-                                </p:cTn>
-                              </p:par>
-                              <p:par>
-                                <p:cTn id="13" presetID="3" presetClass="emph" presetSubtype="1" repeatCount="indefinite" nodeType="withEffect">
-                                  <p:stCondLst>
-                                    <p:cond delay="100"/>
-                                  </p:stCondLst>
-                                  <p:endCondLst>
-                                    <p:cond evt="onNext" delay="0">
-                                      <p:tgtEl>
-                                        <p:sldTgt/>
-                                      </p:tgtEl>
-                                    </p:cond>
-                                  </p:endCondLst>
-                                  <p:childTnLst>
-                                    <p:set>
-                                      <p:cBhvr override="childStyle">
-                                        <p:cTn id="14" dur="indefinite"/>
-                                        <p:tgtEl>
-                                          <p:spTgt spid="46">
-                                            <p:txEl>
-                                              <p:pRg st="0" end="0"/>
-                                            </p:txEl>
-                                          </p:spTgt>
-                                        </p:tgtEl>
-                                        <p:attrNameLst>
-                                          <p:attrName>style.color</p:attrName>
-                                        </p:attrNameLst>
-                                      </p:cBhvr>
-                                      <p:to>
-                                        <p:clrVal>
-                                          <a:schemeClr val="accent2"/>
-                                        </p:clrVal>
-                                      </p:to>
-                                    </p:set>
-                                  </p:childTnLst>
-                                </p:cTn>
-                              </p:par>
-                            </p:childTnLst>
-                          </p:cTn>
-                        </p:par>
-                      </p:childTnLst>
-                    </p:cTn>
-                  </p:par>
-                  <p:par>
-                    <p:cTn id="15" fill="hold">
-                      <p:stCondLst>
-                        <p:cond delay="indefinite"/>
-                      </p:stCondLst>
-                      <p:childTnLst>
-                        <p:par>
-                          <p:cTn id="16" fill="hold">
-                            <p:stCondLst>
-                              <p:cond delay="0"/>
-                            </p:stCondLst>
-                            <p:childTnLst>
-                              <p:par>
-                                <p:cTn id="17" presetID="7" presetClass="emph" presetSubtype="1" nodeType="clickEffect">
-                                  <p:stCondLst>
-                                    <p:cond delay="0"/>
-                                  </p:stCondLst>
-                                  <p:endCondLst>
-                                    <p:cond evt="onNext" delay="0">
-                                      <p:tgtEl>
-                                        <p:sldTgt/>
-                                      </p:tgtEl>
-                                    </p:cond>
-                                  </p:endCondLst>
-                                  <p:childTnLst>
-                                    <p:set>
-                                      <p:cBhvr>
-                                        <p:cTn id="18" dur="indefinite"/>
-                                        <p:tgtEl>
-                                          <p:spTgt spid="45"/>
-                                        </p:tgtEl>
-                                        <p:attrNameLst>
-                                          <p:attrName>stroke.color</p:attrName>
-                                        </p:attrNameLst>
-                                      </p:cBhvr>
-                                      <p:to>
-                                        <p:clrVal>
-                                          <a:srgbClr val="ED7D31"/>
-                                        </p:clrVal>
-                                      </p:to>
-                                    </p:set>
-                                    <p:set>
-                                      <p:cBhvr>
-                                        <p:cTn id="19" dur="indefinite"/>
-                                        <p:tgtEl>
-                                          <p:spTgt spid="45"/>
-                                        </p:tgtEl>
-                                        <p:attrNameLst>
-                                          <p:attrName>stroke.on</p:attrName>
-                                        </p:attrNameLst>
-                                      </p:cBhvr>
-                                      <p:to>
-                                        <p:strVal val="true"/>
-                                      </p:to>
-                                    </p:set>
-                                  </p:childTnLst>
-                                </p:cTn>
-                              </p:par>
-                            </p:childTnLst>
-                          </p:cTn>
-                        </p:par>
-                      </p:childTnLst>
-                    </p:cTn>
-                  </p:par>
-                  <p:par>
-                    <p:cTn id="20" fill="hold">
-                      <p:stCondLst>
-                        <p:cond delay="indefinite"/>
-                      </p:stCondLst>
-                      <p:childTnLst>
-                        <p:par>
-                          <p:cTn id="21" fill="hold">
-                            <p:stCondLst>
-                              <p:cond delay="0"/>
-                            </p:stCondLst>
-                            <p:childTnLst>
-                              <p:par>
-                                <p:cTn id="22" presetID="7" presetClass="emph" presetSubtype="1" nodeType="clickEffect">
-                                  <p:stCondLst>
-                                    <p:cond delay="0"/>
-                                  </p:stCondLst>
-                                  <p:endCondLst>
-                                    <p:cond evt="onNext" delay="0">
-                                      <p:tgtEl>
-                                        <p:sldTgt/>
-                                      </p:tgtEl>
-                                    </p:cond>
-                                  </p:endCondLst>
-                                  <p:childTnLst>
-                                    <p:set>
-                                      <p:cBhvr>
-                                        <p:cTn id="23" dur="indefinite"/>
-                                        <p:tgtEl>
-                                          <p:spTgt spid="43"/>
-                                        </p:tgtEl>
-                                        <p:attrNameLst>
-                                          <p:attrName>stroke.color</p:attrName>
-                                        </p:attrNameLst>
-                                      </p:cBhvr>
-                                      <p:to>
-                                        <p:clrVal>
-                                          <a:schemeClr val="accent2"/>
-                                        </p:clrVal>
-                                      </p:to>
-                                    </p:set>
-                                    <p:set>
-                                      <p:cBhvr>
-                                        <p:cTn id="24" dur="indefinite"/>
-                                        <p:tgtEl>
-                                          <p:spTgt spid="43"/>
-                                        </p:tgtEl>
-                                        <p:attrNameLst>
-                                          <p:attrName>stroke.on</p:attrName>
-                                        </p:attrNameLst>
-                                      </p:cBhvr>
-                                      <p:to>
-                                        <p:strVal val="true"/>
-                                      </p:to>
-                                    </p:set>
-                                  </p:childTnLst>
-                                </p:cTn>
-                              </p:par>
-                              <p:par>
-                                <p:cTn id="25" presetID="3" presetClass="emph" presetSubtype="1" grpId="0" nodeType="withEffect">
-                                  <p:stCondLst>
-                                    <p:cond delay="0"/>
-                                  </p:stCondLst>
-                                  <p:endCondLst>
-                                    <p:cond evt="onNext" delay="0">
-                                      <p:tgtEl>
-                                        <p:sldTgt/>
-                                      </p:tgtEl>
-                                    </p:cond>
-                                  </p:endCondLst>
-                                  <p:childTnLst>
-                                    <p:set>
-                                      <p:cBhvr override="childStyle">
-                                        <p:cTn id="26" dur="indefinite"/>
-                                        <p:tgtEl>
-                                          <p:spTgt spid="47"/>
-                                        </p:tgtEl>
-                                        <p:attrNameLst>
-                                          <p:attrName>style.color</p:attrName>
-                                        </p:attrNameLst>
-                                      </p:cBhvr>
-                                      <p:to>
-                                        <p:clrVal>
-                                          <a:schemeClr val="accent2"/>
-                                        </p:clrVal>
-                                      </p:to>
-                                    </p:set>
-                                  </p:childTnLst>
-                                </p:cTn>
-                              </p:par>
-                            </p:childTnLst>
-                          </p:cTn>
-                        </p:par>
-                      </p:childTnLst>
-                    </p:cTn>
-                  </p:par>
-                  <p:par>
-                    <p:cTn id="27" fill="hold">
-                      <p:stCondLst>
-                        <p:cond delay="indefinite"/>
-                      </p:stCondLst>
-                      <p:childTnLst>
-                        <p:par>
-                          <p:cTn id="28" fill="hold">
-                            <p:stCondLst>
-                              <p:cond delay="0"/>
-                            </p:stCondLst>
-                            <p:childTnLst>
-                              <p:par>
-                                <p:cTn id="29" presetID="7" presetClass="emph" presetSubtype="1" repeatCount="indefinite" nodeType="clickEffect">
-                                  <p:stCondLst>
-                                    <p:cond delay="0"/>
-                                  </p:stCondLst>
-                                  <p:endCondLst>
-                                    <p:cond evt="onNext" delay="0">
-                                      <p:tgtEl>
-                                        <p:sldTgt/>
-                                      </p:tgtEl>
-                                    </p:cond>
-                                  </p:endCondLst>
-                                  <p:childTnLst>
-                                    <p:set>
-                                      <p:cBhvr>
-                                        <p:cTn id="30" dur="indefinite"/>
-                                        <p:tgtEl>
-                                          <p:spTgt spid="48"/>
-                                        </p:tgtEl>
-                                        <p:attrNameLst>
-                                          <p:attrName>stroke.color</p:attrName>
-                                        </p:attrNameLst>
-                                      </p:cBhvr>
-                                      <p:to>
-                                        <p:clrVal>
-                                          <a:schemeClr val="accent2"/>
-                                        </p:clrVal>
-                                      </p:to>
-                                    </p:set>
-                                    <p:set>
-                                      <p:cBhvr>
-                                        <p:cTn id="31" dur="indefinite"/>
-                                        <p:tgtEl>
-                                          <p:spTgt spid="48"/>
-                                        </p:tgtEl>
-                                        <p:attrNameLst>
-                                          <p:attrName>stroke.on</p:attrName>
-                                        </p:attrNameLst>
-                                      </p:cBhvr>
-                                      <p:to>
-                                        <p:strVal val="true"/>
-                                      </p:to>
-                                    </p:set>
-                                  </p:childTnLst>
-                                </p:cTn>
-                              </p:par>
-                            </p:childTnLst>
-                          </p:cTn>
-                        </p:par>
-                      </p:childTnLst>
-                    </p:cTn>
-                  </p:par>
-                  <p:par>
-                    <p:cTn id="32" fill="hold">
-                      <p:stCondLst>
-                        <p:cond delay="indefinite"/>
-                      </p:stCondLst>
-                      <p:childTnLst>
-                        <p:par>
-                          <p:cTn id="33" fill="hold">
-                            <p:stCondLst>
-                              <p:cond delay="0"/>
-                            </p:stCondLst>
-                            <p:childTnLst>
-                              <p:par>
-                                <p:cTn id="34" presetID="7" presetClass="emph" presetSubtype="1" repeatCount="indefinite" nodeType="clickEffect">
-                                  <p:stCondLst>
-                                    <p:cond delay="0"/>
-                                  </p:stCondLst>
-                                  <p:endCondLst>
-                                    <p:cond evt="onNext" delay="0">
-                                      <p:tgtEl>
-                                        <p:sldTgt/>
-                                      </p:tgtEl>
-                                    </p:cond>
-                                  </p:endCondLst>
-                                  <p:childTnLst>
-                                    <p:set>
-                                      <p:cBhvr>
-                                        <p:cTn id="35" dur="indefinite"/>
-                                        <p:tgtEl>
-                                          <p:spTgt spid="54"/>
-                                        </p:tgtEl>
-                                        <p:attrNameLst>
-                                          <p:attrName>stroke.color</p:attrName>
-                                        </p:attrNameLst>
-                                      </p:cBhvr>
-                                      <p:to>
-                                        <p:clrVal>
-                                          <a:schemeClr val="accent2"/>
-                                        </p:clrVal>
-                                      </p:to>
-                                    </p:set>
-                                    <p:set>
-                                      <p:cBhvr>
-                                        <p:cTn id="36" dur="indefinite"/>
-                                        <p:tgtEl>
-                                          <p:spTgt spid="54"/>
-                                        </p:tgtEl>
-                                        <p:attrNameLst>
-                                          <p:attrName>stroke.on</p:attrName>
-                                        </p:attrNameLst>
-                                      </p:cBhvr>
-                                      <p:to>
-                                        <p:strVal val="true"/>
-                                      </p:to>
-                                    </p:set>
-                                  </p:childTnLst>
-                                </p:cTn>
-                              </p:par>
-                            </p:childTnLst>
-                          </p:cTn>
-                        </p:par>
-                      </p:childTnLst>
-                    </p:cTn>
-                  </p:par>
-                  <p:par>
-                    <p:cTn id="37" fill="hold">
-                      <p:stCondLst>
-                        <p:cond delay="indefinite"/>
-                      </p:stCondLst>
-                      <p:childTnLst>
-                        <p:par>
-                          <p:cTn id="38" fill="hold">
-                            <p:stCondLst>
-                              <p:cond delay="0"/>
-                            </p:stCondLst>
-                            <p:childTnLst>
-                              <p:par>
-                                <p:cTn id="39" presetID="7" presetClass="emph" presetSubtype="1" repeatCount="indefinite" nodeType="clickEffect">
-                                  <p:stCondLst>
-                                    <p:cond delay="0"/>
-                                  </p:stCondLst>
-                                  <p:endCondLst>
-                                    <p:cond evt="onNext" delay="0">
-                                      <p:tgtEl>
-                                        <p:sldTgt/>
-                                      </p:tgtEl>
-                                    </p:cond>
-                                  </p:endCondLst>
-                                  <p:childTnLst>
-                                    <p:set>
-                                      <p:cBhvr>
-                                        <p:cTn id="40" dur="indefinite"/>
-                                        <p:tgtEl>
-                                          <p:spTgt spid="55"/>
-                                        </p:tgtEl>
-                                        <p:attrNameLst>
-                                          <p:attrName>stroke.color</p:attrName>
-                                        </p:attrNameLst>
-                                      </p:cBhvr>
-                                      <p:to>
-                                        <p:clrVal>
-                                          <a:schemeClr val="accent2"/>
-                                        </p:clrVal>
-                                      </p:to>
-                                    </p:set>
-                                    <p:set>
-                                      <p:cBhvr>
-                                        <p:cTn id="41" dur="indefinite"/>
-                                        <p:tgtEl>
-                                          <p:spTgt spid="55"/>
-                                        </p:tgtEl>
-                                        <p:attrNameLst>
-                                          <p:attrName>stroke.on</p:attrName>
-                                        </p:attrNameLst>
-                                      </p:cBhvr>
-                                      <p:to>
-                                        <p:strVal val="true"/>
-                                      </p:to>
-                                    </p:set>
-                                  </p:childTnLst>
-                                </p:cTn>
-                              </p:par>
-                            </p:childTnLst>
-                          </p:cTn>
-                        </p:par>
-                      </p:childTnLst>
-                    </p:cTn>
-                  </p:par>
-                  <p:par>
-                    <p:cTn id="42" fill="hold">
-                      <p:stCondLst>
-                        <p:cond delay="indefinite"/>
-                      </p:stCondLst>
-                      <p:childTnLst>
-                        <p:par>
-                          <p:cTn id="43" fill="hold">
-                            <p:stCondLst>
-                              <p:cond delay="0"/>
-                            </p:stCondLst>
-                            <p:childTnLst>
-                              <p:par>
-                                <p:cTn id="44" presetID="7" presetClass="emph" presetSubtype="1" repeatCount="indefinite" nodeType="clickEffect">
-                                  <p:stCondLst>
-                                    <p:cond delay="0"/>
-                                  </p:stCondLst>
-                                  <p:endCondLst>
-                                    <p:cond evt="onNext" delay="0">
-                                      <p:tgtEl>
-                                        <p:sldTgt/>
-                                      </p:tgtEl>
-                                    </p:cond>
-                                  </p:endCondLst>
-                                  <p:childTnLst>
-                                    <p:set>
-                                      <p:cBhvr>
-                                        <p:cTn id="45" dur="indefinite"/>
-                                        <p:tgtEl>
-                                          <p:spTgt spid="56"/>
-                                        </p:tgtEl>
-                                        <p:attrNameLst>
-                                          <p:attrName>stroke.color</p:attrName>
-                                        </p:attrNameLst>
-                                      </p:cBhvr>
-                                      <p:to>
-                                        <p:clrVal>
-                                          <a:schemeClr val="accent2"/>
-                                        </p:clrVal>
-                                      </p:to>
-                                    </p:set>
-                                    <p:set>
-                                      <p:cBhvr>
-                                        <p:cTn id="46" dur="indefinite"/>
-                                        <p:tgtEl>
-                                          <p:spTgt spid="56"/>
-                                        </p:tgtEl>
-                                        <p:attrNameLst>
-                                          <p:attrName>stroke.on</p:attrName>
-                                        </p:attrNameLst>
-                                      </p:cBhvr>
-                                      <p:to>
-                                        <p:strVal val="true"/>
-                                      </p:to>
-                                    </p:set>
-                                  </p:childTnLst>
-                                </p:cTn>
-                              </p:par>
-                            </p:childTnLst>
-                          </p:cTn>
-                        </p:par>
-                      </p:childTnLst>
-                    </p:cTn>
-                  </p:par>
-                  <p:par>
-                    <p:cTn id="47" fill="hold">
-                      <p:stCondLst>
-                        <p:cond delay="indefinite"/>
-                      </p:stCondLst>
-                      <p:childTnLst>
-                        <p:par>
-                          <p:cTn id="48" fill="hold">
-                            <p:stCondLst>
-                              <p:cond delay="0"/>
-                            </p:stCondLst>
-                            <p:childTnLst>
-                              <p:par>
-                                <p:cTn id="49" presetID="7" presetClass="emph" presetSubtype="1" repeatCount="indefinite" nodeType="clickEffect">
-                                  <p:stCondLst>
-                                    <p:cond delay="0"/>
-                                  </p:stCondLst>
-                                  <p:endCondLst>
-                                    <p:cond evt="onNext" delay="0">
-                                      <p:tgtEl>
-                                        <p:sldTgt/>
-                                      </p:tgtEl>
-                                    </p:cond>
-                                  </p:endCondLst>
-                                  <p:childTnLst>
-                                    <p:set>
-                                      <p:cBhvr>
-                                        <p:cTn id="50" dur="indefinite"/>
-                                        <p:tgtEl>
-                                          <p:spTgt spid="57"/>
-                                        </p:tgtEl>
-                                        <p:attrNameLst>
-                                          <p:attrName>stroke.color</p:attrName>
-                                        </p:attrNameLst>
-                                      </p:cBhvr>
-                                      <p:to>
-                                        <p:clrVal>
-                                          <a:schemeClr val="accent2"/>
-                                        </p:clrVal>
-                                      </p:to>
-                                    </p:set>
-                                    <p:set>
-                                      <p:cBhvr>
-                                        <p:cTn id="51" dur="indefinite"/>
-                                        <p:tgtEl>
-                                          <p:spTgt spid="57"/>
-                                        </p:tgtEl>
-                                        <p:attrNameLst>
-                                          <p:attrName>stroke.on</p:attrName>
-                                        </p:attrNameLst>
-                                      </p:cBhvr>
-                                      <p:to>
-                                        <p:strVal val="true"/>
-                                      </p:to>
-                                    </p:set>
-                                  </p:childTnLst>
-                                </p:cTn>
-                              </p:par>
-                            </p:childTnLst>
-                          </p:cTn>
-                        </p:par>
-                      </p:childTnLst>
-                    </p:cTn>
-                  </p:par>
-                  <p:par>
-                    <p:cTn id="52" fill="hold">
-                      <p:stCondLst>
-                        <p:cond delay="indefinite"/>
-                      </p:stCondLst>
-                      <p:childTnLst>
-                        <p:par>
-                          <p:cTn id="53" fill="hold">
-                            <p:stCondLst>
-                              <p:cond delay="0"/>
-                            </p:stCondLst>
-                            <p:childTnLst>
-                              <p:par>
-                                <p:cTn id="54" presetID="7" presetClass="emph" presetSubtype="1" repeatCount="indefinite" nodeType="clickEffect">
-                                  <p:stCondLst>
-                                    <p:cond delay="0"/>
-                                  </p:stCondLst>
-                                  <p:endCondLst>
-                                    <p:cond evt="onNext" delay="0">
-                                      <p:tgtEl>
-                                        <p:sldTgt/>
-                                      </p:tgtEl>
-                                    </p:cond>
-                                  </p:endCondLst>
-                                  <p:childTnLst>
-                                    <p:set>
-                                      <p:cBhvr>
-                                        <p:cTn id="55" dur="indefinite"/>
-                                        <p:tgtEl>
-                                          <p:spTgt spid="58"/>
-                                        </p:tgtEl>
-                                        <p:attrNameLst>
-                                          <p:attrName>stroke.color</p:attrName>
-                                        </p:attrNameLst>
-                                      </p:cBhvr>
-                                      <p:to>
-                                        <p:clrVal>
-                                          <a:schemeClr val="accent2"/>
-                                        </p:clrVal>
-                                      </p:to>
-                                    </p:set>
-                                    <p:set>
-                                      <p:cBhvr>
-                                        <p:cTn id="56" dur="indefinite"/>
-                                        <p:tgtEl>
-                                          <p:spTgt spid="58"/>
-                                        </p:tgtEl>
-                                        <p:attrNameLst>
-                                          <p:attrName>stroke.on</p:attrName>
-                                        </p:attrNameLst>
-                                      </p:cBhvr>
-                                      <p:to>
-                                        <p:strVal val="true"/>
-                                      </p:to>
-                                    </p:set>
-                                  </p:childTnLst>
-                                </p:cTn>
-                              </p:par>
-                            </p:childTnLst>
-                          </p:cTn>
-                        </p:par>
-                      </p:childTnLst>
-                    </p:cTn>
-                  </p:par>
-                  <p:par>
-                    <p:cTn id="57" fill="hold">
-                      <p:stCondLst>
-                        <p:cond delay="indefinite"/>
-                      </p:stCondLst>
-                      <p:childTnLst>
-                        <p:par>
-                          <p:cTn id="58" fill="hold">
-                            <p:stCondLst>
-                              <p:cond delay="0"/>
-                            </p:stCondLst>
-                            <p:childTnLst>
-                              <p:par>
-                                <p:cTn id="59" presetID="7" presetClass="emph" presetSubtype="1" repeatCount="indefinite" nodeType="clickEffect">
-                                  <p:stCondLst>
-                                    <p:cond delay="0"/>
-                                  </p:stCondLst>
-                                  <p:endCondLst>
-                                    <p:cond evt="onNext" delay="0">
-                                      <p:tgtEl>
-                                        <p:sldTgt/>
-                                      </p:tgtEl>
-                                    </p:cond>
-                                  </p:endCondLst>
-                                  <p:childTnLst>
-                                    <p:set>
-                                      <p:cBhvr>
-                                        <p:cTn id="60" dur="indefinite"/>
-                                        <p:tgtEl>
-                                          <p:spTgt spid="59"/>
-                                        </p:tgtEl>
-                                        <p:attrNameLst>
-                                          <p:attrName>stroke.color</p:attrName>
-                                        </p:attrNameLst>
-                                      </p:cBhvr>
-                                      <p:to>
-                                        <p:clrVal>
-                                          <a:schemeClr val="accent2"/>
-                                        </p:clrVal>
-                                      </p:to>
-                                    </p:set>
-                                    <p:set>
-                                      <p:cBhvr>
-                                        <p:cTn id="61" dur="indefinite"/>
-                                        <p:tgtEl>
-                                          <p:spTgt spid="59"/>
-                                        </p:tgtEl>
-                                        <p:attrNameLst>
-                                          <p:attrName>stroke.on</p:attrName>
-                                        </p:attrNameLst>
-                                      </p:cBhvr>
-                                      <p:to>
-                                        <p:strVal val="true"/>
-                                      </p:to>
-                                    </p:set>
-                                  </p:childTnLst>
-                                </p:cTn>
-                              </p:par>
-                            </p:childTnLst>
-                          </p:cTn>
-                        </p:par>
-                      </p:childTnLst>
-                    </p:cTn>
-                  </p:par>
-                  <p:par>
-                    <p:cTn id="62" fill="hold">
-                      <p:stCondLst>
-                        <p:cond delay="indefinite"/>
-                      </p:stCondLst>
-                      <p:childTnLst>
-                        <p:par>
-                          <p:cTn id="63" fill="hold">
-                            <p:stCondLst>
-                              <p:cond delay="0"/>
-                            </p:stCondLst>
-                            <p:childTnLst>
-                              <p:par>
-                                <p:cTn id="64" presetID="7" presetClass="emph" presetSubtype="1" repeatCount="indefinite" nodeType="clickEffect">
-                                  <p:stCondLst>
-                                    <p:cond delay="0"/>
-                                  </p:stCondLst>
-                                  <p:endCondLst>
-                                    <p:cond evt="onNext" delay="0">
-                                      <p:tgtEl>
-                                        <p:sldTgt/>
-                                      </p:tgtEl>
-                                    </p:cond>
-                                  </p:endCondLst>
-                                  <p:childTnLst>
-                                    <p:set>
-                                      <p:cBhvr>
-                                        <p:cTn id="65" dur="indefinite"/>
-                                        <p:tgtEl>
-                                          <p:spTgt spid="61"/>
-                                        </p:tgtEl>
-                                        <p:attrNameLst>
-                                          <p:attrName>stroke.color</p:attrName>
-                                        </p:attrNameLst>
-                                      </p:cBhvr>
-                                      <p:to>
-                                        <p:clrVal>
-                                          <a:schemeClr val="accent2"/>
-                                        </p:clrVal>
-                                      </p:to>
-                                    </p:set>
-                                    <p:set>
-                                      <p:cBhvr>
-                                        <p:cTn id="66" dur="indefinite"/>
-                                        <p:tgtEl>
-                                          <p:spTgt spid="61"/>
-                                        </p:tgtEl>
-                                        <p:attrNameLst>
-                                          <p:attrName>stroke.on</p:attrName>
-                                        </p:attrNameLst>
-                                      </p:cBhvr>
-                                      <p:to>
-                                        <p:strVal val="true"/>
-                                      </p:to>
-                                    </p:set>
-                                  </p:childTnLst>
-                                </p:cTn>
-                              </p:par>
-                            </p:childTnLst>
-                          </p:cTn>
-                        </p:par>
-                      </p:childTnLst>
-                    </p:cTn>
-                  </p:par>
-                  <p:par>
-                    <p:cTn id="67" fill="hold">
-                      <p:stCondLst>
-                        <p:cond delay="indefinite"/>
-                      </p:stCondLst>
-                      <p:childTnLst>
-                        <p:par>
-                          <p:cTn id="68" fill="hold">
-                            <p:stCondLst>
-                              <p:cond delay="0"/>
-                            </p:stCondLst>
-                            <p:childTnLst>
-                              <p:par>
-                                <p:cTn id="69" presetID="7" presetClass="emph" presetSubtype="1" repeatCount="indefinite" nodeType="clickEffect">
-                                  <p:stCondLst>
-                                    <p:cond delay="0"/>
-                                  </p:stCondLst>
-                                  <p:endCondLst>
-                                    <p:cond evt="onNext" delay="0">
-                                      <p:tgtEl>
-                                        <p:sldTgt/>
-                                      </p:tgtEl>
-                                    </p:cond>
-                                  </p:endCondLst>
-                                  <p:childTnLst>
-                                    <p:set>
-                                      <p:cBhvr>
-                                        <p:cTn id="70" dur="indefinite"/>
-                                        <p:tgtEl>
-                                          <p:spTgt spid="62"/>
-                                        </p:tgtEl>
-                                        <p:attrNameLst>
-                                          <p:attrName>stroke.color</p:attrName>
-                                        </p:attrNameLst>
-                                      </p:cBhvr>
-                                      <p:to>
-                                        <p:clrVal>
-                                          <a:schemeClr val="accent2"/>
-                                        </p:clrVal>
-                                      </p:to>
-                                    </p:set>
-                                    <p:set>
-                                      <p:cBhvr>
-                                        <p:cTn id="71" dur="indefinite"/>
-                                        <p:tgtEl>
-                                          <p:spTgt spid="62"/>
-                                        </p:tgtEl>
-                                        <p:attrNameLst>
-                                          <p:attrName>stroke.on</p:attrName>
-                                        </p:attrNameLst>
-                                      </p:cBhvr>
-                                      <p:to>
-                                        <p:strVal val="true"/>
-                                      </p:to>
-                                    </p:set>
-                                  </p:childTnLst>
-                                </p:cTn>
-                              </p:par>
-                            </p:childTnLst>
-                          </p:cTn>
-                        </p:par>
-                      </p:childTnLst>
-                    </p:cTn>
-                  </p:par>
-                </p:childTnLst>
-              </p:cTn>
-              <p:prevCondLst>
-                <p:cond evt="onPrev" delay="0">
-                  <p:tgtEl>
-                    <p:sldTgt/>
-                  </p:tgtEl>
-                </p:cond>
-              </p:prevCondLst>
-              <p:nextCondLst>
-                <p:cond evt="onNext" delay="0">
-                  <p:tgtEl>
-                    <p:sldTgt/>
-                  </p:tgtEl>
-                </p:cond>
-              </p:nextCondLst>
-            </p:seq>
-          </p:childTnLst>
-        </p:cTn>
-      </p:par>
-    </p:tnLst>
-    <p:bldLst>
-      <p:bldP spid="47" grpId="0"/>
-    </p:bldLst>
-  </p:timing>
 </p:sld>
 </file>
 
@@ -29175,932 +27323,6 @@
   <p:clrMapOvr>
     <a:masterClrMapping/>
   </p:clrMapOvr>
-  <p:timing>
-    <p:tnLst>
-      <p:par>
-        <p:cTn id="1" dur="indefinite" restart="never" nodeType="tmRoot">
-          <p:childTnLst>
-            <p:seq concurrent="1" nextAc="seek">
-              <p:cTn id="2" dur="indefinite" nodeType="mainSeq">
-                <p:childTnLst>
-                  <p:par>
-                    <p:cTn id="3" fill="hold">
-                      <p:stCondLst>
-                        <p:cond delay="indefinite"/>
-                      </p:stCondLst>
-                      <p:childTnLst>
-                        <p:par>
-                          <p:cTn id="4" fill="hold">
-                            <p:stCondLst>
-                              <p:cond delay="0"/>
-                            </p:stCondLst>
-                            <p:childTnLst>
-                              <p:par>
-                                <p:cTn id="5" presetID="7" presetClass="emph" presetSubtype="1" nodeType="clickEffect">
-                                  <p:stCondLst>
-                                    <p:cond delay="0"/>
-                                  </p:stCondLst>
-                                  <p:childTnLst>
-                                    <p:set>
-                                      <p:cBhvr>
-                                        <p:cTn id="6" dur="2000"/>
-                                        <p:tgtEl>
-                                          <p:spTgt spid="42"/>
-                                        </p:tgtEl>
-                                        <p:attrNameLst>
-                                          <p:attrName>stroke.color</p:attrName>
-                                        </p:attrNameLst>
-                                      </p:cBhvr>
-                                      <p:to>
-                                        <p:clrVal>
-                                          <a:schemeClr val="accent2"/>
-                                        </p:clrVal>
-                                      </p:to>
-                                    </p:set>
-                                    <p:set>
-                                      <p:cBhvr>
-                                        <p:cTn id="7" dur="2000"/>
-                                        <p:tgtEl>
-                                          <p:spTgt spid="42"/>
-                                        </p:tgtEl>
-                                        <p:attrNameLst>
-                                          <p:attrName>stroke.on</p:attrName>
-                                        </p:attrNameLst>
-                                      </p:cBhvr>
-                                      <p:to>
-                                        <p:strVal val="true"/>
-                                      </p:to>
-                                    </p:set>
-                                  </p:childTnLst>
-                                </p:cTn>
-                              </p:par>
-                            </p:childTnLst>
-                          </p:cTn>
-                        </p:par>
-                      </p:childTnLst>
-                    </p:cTn>
-                  </p:par>
-                  <p:par>
-                    <p:cTn id="8" fill="hold">
-                      <p:stCondLst>
-                        <p:cond delay="indefinite"/>
-                      </p:stCondLst>
-                      <p:childTnLst>
-                        <p:par>
-                          <p:cTn id="9" fill="hold">
-                            <p:stCondLst>
-                              <p:cond delay="0"/>
-                            </p:stCondLst>
-                            <p:childTnLst>
-                              <p:par>
-                                <p:cTn id="10" presetID="7" presetClass="emph" presetSubtype="1" repeatCount="indefinite" nodeType="clickEffect">
-                                  <p:stCondLst>
-                                    <p:cond delay="0"/>
-                                  </p:stCondLst>
-                                  <p:endCondLst>
-                                    <p:cond evt="onNext" delay="0">
-                                      <p:tgtEl>
-                                        <p:sldTgt/>
-                                      </p:tgtEl>
-                                    </p:cond>
-                                  </p:endCondLst>
-                                  <p:childTnLst>
-                                    <p:set>
-                                      <p:cBhvr>
-                                        <p:cTn id="11" dur="indefinite"/>
-                                        <p:tgtEl>
-                                          <p:spTgt spid="44"/>
-                                        </p:tgtEl>
-                                        <p:attrNameLst>
-                                          <p:attrName>stroke.color</p:attrName>
-                                        </p:attrNameLst>
-                                      </p:cBhvr>
-                                      <p:to>
-                                        <p:clrVal>
-                                          <a:schemeClr val="accent2"/>
-                                        </p:clrVal>
-                                      </p:to>
-                                    </p:set>
-                                    <p:set>
-                                      <p:cBhvr>
-                                        <p:cTn id="12" dur="indefinite"/>
-                                        <p:tgtEl>
-                                          <p:spTgt spid="44"/>
-                                        </p:tgtEl>
-                                        <p:attrNameLst>
-                                          <p:attrName>stroke.on</p:attrName>
-                                        </p:attrNameLst>
-                                      </p:cBhvr>
-                                      <p:to>
-                                        <p:strVal val="true"/>
-                                      </p:to>
-                                    </p:set>
-                                  </p:childTnLst>
-                                </p:cTn>
-                              </p:par>
-                              <p:par>
-                                <p:cTn id="13" presetID="3" presetClass="emph" presetSubtype="1" repeatCount="indefinite" nodeType="withEffect">
-                                  <p:stCondLst>
-                                    <p:cond delay="100"/>
-                                  </p:stCondLst>
-                                  <p:endCondLst>
-                                    <p:cond evt="onNext" delay="0">
-                                      <p:tgtEl>
-                                        <p:sldTgt/>
-                                      </p:tgtEl>
-                                    </p:cond>
-                                  </p:endCondLst>
-                                  <p:childTnLst>
-                                    <p:set>
-                                      <p:cBhvr override="childStyle">
-                                        <p:cTn id="14" dur="indefinite"/>
-                                        <p:tgtEl>
-                                          <p:spTgt spid="46">
-                                            <p:txEl>
-                                              <p:pRg st="0" end="0"/>
-                                            </p:txEl>
-                                          </p:spTgt>
-                                        </p:tgtEl>
-                                        <p:attrNameLst>
-                                          <p:attrName>style.color</p:attrName>
-                                        </p:attrNameLst>
-                                      </p:cBhvr>
-                                      <p:to>
-                                        <p:clrVal>
-                                          <a:schemeClr val="accent2"/>
-                                        </p:clrVal>
-                                      </p:to>
-                                    </p:set>
-                                  </p:childTnLst>
-                                </p:cTn>
-                              </p:par>
-                            </p:childTnLst>
-                          </p:cTn>
-                        </p:par>
-                      </p:childTnLst>
-                    </p:cTn>
-                  </p:par>
-                  <p:par>
-                    <p:cTn id="15" fill="hold">
-                      <p:stCondLst>
-                        <p:cond delay="indefinite"/>
-                      </p:stCondLst>
-                      <p:childTnLst>
-                        <p:par>
-                          <p:cTn id="16" fill="hold">
-                            <p:stCondLst>
-                              <p:cond delay="0"/>
-                            </p:stCondLst>
-                            <p:childTnLst>
-                              <p:par>
-                                <p:cTn id="17" presetID="7" presetClass="emph" presetSubtype="1" nodeType="clickEffect">
-                                  <p:stCondLst>
-                                    <p:cond delay="0"/>
-                                  </p:stCondLst>
-                                  <p:endCondLst>
-                                    <p:cond evt="onNext" delay="0">
-                                      <p:tgtEl>
-                                        <p:sldTgt/>
-                                      </p:tgtEl>
-                                    </p:cond>
-                                  </p:endCondLst>
-                                  <p:childTnLst>
-                                    <p:set>
-                                      <p:cBhvr>
-                                        <p:cTn id="18" dur="indefinite"/>
-                                        <p:tgtEl>
-                                          <p:spTgt spid="45"/>
-                                        </p:tgtEl>
-                                        <p:attrNameLst>
-                                          <p:attrName>stroke.color</p:attrName>
-                                        </p:attrNameLst>
-                                      </p:cBhvr>
-                                      <p:to>
-                                        <p:clrVal>
-                                          <a:srgbClr val="ED7D31"/>
-                                        </p:clrVal>
-                                      </p:to>
-                                    </p:set>
-                                    <p:set>
-                                      <p:cBhvr>
-                                        <p:cTn id="19" dur="indefinite"/>
-                                        <p:tgtEl>
-                                          <p:spTgt spid="45"/>
-                                        </p:tgtEl>
-                                        <p:attrNameLst>
-                                          <p:attrName>stroke.on</p:attrName>
-                                        </p:attrNameLst>
-                                      </p:cBhvr>
-                                      <p:to>
-                                        <p:strVal val="true"/>
-                                      </p:to>
-                                    </p:set>
-                                  </p:childTnLst>
-                                </p:cTn>
-                              </p:par>
-                            </p:childTnLst>
-                          </p:cTn>
-                        </p:par>
-                      </p:childTnLst>
-                    </p:cTn>
-                  </p:par>
-                  <p:par>
-                    <p:cTn id="20" fill="hold">
-                      <p:stCondLst>
-                        <p:cond delay="indefinite"/>
-                      </p:stCondLst>
-                      <p:childTnLst>
-                        <p:par>
-                          <p:cTn id="21" fill="hold">
-                            <p:stCondLst>
-                              <p:cond delay="0"/>
-                            </p:stCondLst>
-                            <p:childTnLst>
-                              <p:par>
-                                <p:cTn id="22" presetID="7" presetClass="emph" presetSubtype="1" nodeType="clickEffect">
-                                  <p:stCondLst>
-                                    <p:cond delay="0"/>
-                                  </p:stCondLst>
-                                  <p:endCondLst>
-                                    <p:cond evt="onNext" delay="0">
-                                      <p:tgtEl>
-                                        <p:sldTgt/>
-                                      </p:tgtEl>
-                                    </p:cond>
-                                  </p:endCondLst>
-                                  <p:childTnLst>
-                                    <p:set>
-                                      <p:cBhvr>
-                                        <p:cTn id="23" dur="indefinite"/>
-                                        <p:tgtEl>
-                                          <p:spTgt spid="43"/>
-                                        </p:tgtEl>
-                                        <p:attrNameLst>
-                                          <p:attrName>stroke.color</p:attrName>
-                                        </p:attrNameLst>
-                                      </p:cBhvr>
-                                      <p:to>
-                                        <p:clrVal>
-                                          <a:schemeClr val="accent2"/>
-                                        </p:clrVal>
-                                      </p:to>
-                                    </p:set>
-                                    <p:set>
-                                      <p:cBhvr>
-                                        <p:cTn id="24" dur="indefinite"/>
-                                        <p:tgtEl>
-                                          <p:spTgt spid="43"/>
-                                        </p:tgtEl>
-                                        <p:attrNameLst>
-                                          <p:attrName>stroke.on</p:attrName>
-                                        </p:attrNameLst>
-                                      </p:cBhvr>
-                                      <p:to>
-                                        <p:strVal val="true"/>
-                                      </p:to>
-                                    </p:set>
-                                  </p:childTnLst>
-                                </p:cTn>
-                              </p:par>
-                              <p:par>
-                                <p:cTn id="25" presetID="3" presetClass="emph" presetSubtype="1" grpId="0" nodeType="withEffect">
-                                  <p:stCondLst>
-                                    <p:cond delay="0"/>
-                                  </p:stCondLst>
-                                  <p:endCondLst>
-                                    <p:cond evt="onNext" delay="0">
-                                      <p:tgtEl>
-                                        <p:sldTgt/>
-                                      </p:tgtEl>
-                                    </p:cond>
-                                  </p:endCondLst>
-                                  <p:childTnLst>
-                                    <p:set>
-                                      <p:cBhvr override="childStyle">
-                                        <p:cTn id="26" dur="indefinite"/>
-                                        <p:tgtEl>
-                                          <p:spTgt spid="47"/>
-                                        </p:tgtEl>
-                                        <p:attrNameLst>
-                                          <p:attrName>style.color</p:attrName>
-                                        </p:attrNameLst>
-                                      </p:cBhvr>
-                                      <p:to>
-                                        <p:clrVal>
-                                          <a:schemeClr val="accent2"/>
-                                        </p:clrVal>
-                                      </p:to>
-                                    </p:set>
-                                  </p:childTnLst>
-                                </p:cTn>
-                              </p:par>
-                            </p:childTnLst>
-                          </p:cTn>
-                        </p:par>
-                      </p:childTnLst>
-                    </p:cTn>
-                  </p:par>
-                  <p:par>
-                    <p:cTn id="27" fill="hold">
-                      <p:stCondLst>
-                        <p:cond delay="indefinite"/>
-                      </p:stCondLst>
-                      <p:childTnLst>
-                        <p:par>
-                          <p:cTn id="28" fill="hold">
-                            <p:stCondLst>
-                              <p:cond delay="0"/>
-                            </p:stCondLst>
-                            <p:childTnLst>
-                              <p:par>
-                                <p:cTn id="29" presetID="7" presetClass="emph" presetSubtype="1" repeatCount="indefinite" nodeType="clickEffect">
-                                  <p:stCondLst>
-                                    <p:cond delay="0"/>
-                                  </p:stCondLst>
-                                  <p:endCondLst>
-                                    <p:cond evt="onNext" delay="0">
-                                      <p:tgtEl>
-                                        <p:sldTgt/>
-                                      </p:tgtEl>
-                                    </p:cond>
-                                  </p:endCondLst>
-                                  <p:childTnLst>
-                                    <p:set>
-                                      <p:cBhvr>
-                                        <p:cTn id="30" dur="indefinite"/>
-                                        <p:tgtEl>
-                                          <p:spTgt spid="48"/>
-                                        </p:tgtEl>
-                                        <p:attrNameLst>
-                                          <p:attrName>stroke.color</p:attrName>
-                                        </p:attrNameLst>
-                                      </p:cBhvr>
-                                      <p:to>
-                                        <p:clrVal>
-                                          <a:schemeClr val="accent2"/>
-                                        </p:clrVal>
-                                      </p:to>
-                                    </p:set>
-                                    <p:set>
-                                      <p:cBhvr>
-                                        <p:cTn id="31" dur="indefinite"/>
-                                        <p:tgtEl>
-                                          <p:spTgt spid="48"/>
-                                        </p:tgtEl>
-                                        <p:attrNameLst>
-                                          <p:attrName>stroke.on</p:attrName>
-                                        </p:attrNameLst>
-                                      </p:cBhvr>
-                                      <p:to>
-                                        <p:strVal val="true"/>
-                                      </p:to>
-                                    </p:set>
-                                  </p:childTnLst>
-                                </p:cTn>
-                              </p:par>
-                            </p:childTnLst>
-                          </p:cTn>
-                        </p:par>
-                      </p:childTnLst>
-                    </p:cTn>
-                  </p:par>
-                  <p:par>
-                    <p:cTn id="32" fill="hold">
-                      <p:stCondLst>
-                        <p:cond delay="indefinite"/>
-                      </p:stCondLst>
-                      <p:childTnLst>
-                        <p:par>
-                          <p:cTn id="33" fill="hold">
-                            <p:stCondLst>
-                              <p:cond delay="0"/>
-                            </p:stCondLst>
-                            <p:childTnLst>
-                              <p:par>
-                                <p:cTn id="34" presetID="7" presetClass="emph" presetSubtype="1" repeatCount="indefinite" nodeType="clickEffect">
-                                  <p:stCondLst>
-                                    <p:cond delay="0"/>
-                                  </p:stCondLst>
-                                  <p:endCondLst>
-                                    <p:cond evt="onNext" delay="0">
-                                      <p:tgtEl>
-                                        <p:sldTgt/>
-                                      </p:tgtEl>
-                                    </p:cond>
-                                  </p:endCondLst>
-                                  <p:childTnLst>
-                                    <p:set>
-                                      <p:cBhvr>
-                                        <p:cTn id="35" dur="indefinite"/>
-                                        <p:tgtEl>
-                                          <p:spTgt spid="54"/>
-                                        </p:tgtEl>
-                                        <p:attrNameLst>
-                                          <p:attrName>stroke.color</p:attrName>
-                                        </p:attrNameLst>
-                                      </p:cBhvr>
-                                      <p:to>
-                                        <p:clrVal>
-                                          <a:schemeClr val="accent2"/>
-                                        </p:clrVal>
-                                      </p:to>
-                                    </p:set>
-                                    <p:set>
-                                      <p:cBhvr>
-                                        <p:cTn id="36" dur="indefinite"/>
-                                        <p:tgtEl>
-                                          <p:spTgt spid="54"/>
-                                        </p:tgtEl>
-                                        <p:attrNameLst>
-                                          <p:attrName>stroke.on</p:attrName>
-                                        </p:attrNameLst>
-                                      </p:cBhvr>
-                                      <p:to>
-                                        <p:strVal val="true"/>
-                                      </p:to>
-                                    </p:set>
-                                  </p:childTnLst>
-                                </p:cTn>
-                              </p:par>
-                            </p:childTnLst>
-                          </p:cTn>
-                        </p:par>
-                      </p:childTnLst>
-                    </p:cTn>
-                  </p:par>
-                  <p:par>
-                    <p:cTn id="37" fill="hold">
-                      <p:stCondLst>
-                        <p:cond delay="indefinite"/>
-                      </p:stCondLst>
-                      <p:childTnLst>
-                        <p:par>
-                          <p:cTn id="38" fill="hold">
-                            <p:stCondLst>
-                              <p:cond delay="0"/>
-                            </p:stCondLst>
-                            <p:childTnLst>
-                              <p:par>
-                                <p:cTn id="39" presetID="7" presetClass="emph" presetSubtype="1" repeatCount="indefinite" nodeType="clickEffect">
-                                  <p:stCondLst>
-                                    <p:cond delay="0"/>
-                                  </p:stCondLst>
-                                  <p:endCondLst>
-                                    <p:cond evt="onNext" delay="0">
-                                      <p:tgtEl>
-                                        <p:sldTgt/>
-                                      </p:tgtEl>
-                                    </p:cond>
-                                  </p:endCondLst>
-                                  <p:childTnLst>
-                                    <p:set>
-                                      <p:cBhvr>
-                                        <p:cTn id="40" dur="indefinite"/>
-                                        <p:tgtEl>
-                                          <p:spTgt spid="55"/>
-                                        </p:tgtEl>
-                                        <p:attrNameLst>
-                                          <p:attrName>stroke.color</p:attrName>
-                                        </p:attrNameLst>
-                                      </p:cBhvr>
-                                      <p:to>
-                                        <p:clrVal>
-                                          <a:schemeClr val="accent2"/>
-                                        </p:clrVal>
-                                      </p:to>
-                                    </p:set>
-                                    <p:set>
-                                      <p:cBhvr>
-                                        <p:cTn id="41" dur="indefinite"/>
-                                        <p:tgtEl>
-                                          <p:spTgt spid="55"/>
-                                        </p:tgtEl>
-                                        <p:attrNameLst>
-                                          <p:attrName>stroke.on</p:attrName>
-                                        </p:attrNameLst>
-                                      </p:cBhvr>
-                                      <p:to>
-                                        <p:strVal val="true"/>
-                                      </p:to>
-                                    </p:set>
-                                  </p:childTnLst>
-                                </p:cTn>
-                              </p:par>
-                            </p:childTnLst>
-                          </p:cTn>
-                        </p:par>
-                      </p:childTnLst>
-                    </p:cTn>
-                  </p:par>
-                  <p:par>
-                    <p:cTn id="42" fill="hold">
-                      <p:stCondLst>
-                        <p:cond delay="indefinite"/>
-                      </p:stCondLst>
-                      <p:childTnLst>
-                        <p:par>
-                          <p:cTn id="43" fill="hold">
-                            <p:stCondLst>
-                              <p:cond delay="0"/>
-                            </p:stCondLst>
-                            <p:childTnLst>
-                              <p:par>
-                                <p:cTn id="44" presetID="7" presetClass="emph" presetSubtype="1" repeatCount="indefinite" nodeType="clickEffect">
-                                  <p:stCondLst>
-                                    <p:cond delay="0"/>
-                                  </p:stCondLst>
-                                  <p:endCondLst>
-                                    <p:cond evt="onNext" delay="0">
-                                      <p:tgtEl>
-                                        <p:sldTgt/>
-                                      </p:tgtEl>
-                                    </p:cond>
-                                  </p:endCondLst>
-                                  <p:childTnLst>
-                                    <p:set>
-                                      <p:cBhvr>
-                                        <p:cTn id="45" dur="indefinite"/>
-                                        <p:tgtEl>
-                                          <p:spTgt spid="56"/>
-                                        </p:tgtEl>
-                                        <p:attrNameLst>
-                                          <p:attrName>stroke.color</p:attrName>
-                                        </p:attrNameLst>
-                                      </p:cBhvr>
-                                      <p:to>
-                                        <p:clrVal>
-                                          <a:schemeClr val="accent2"/>
-                                        </p:clrVal>
-                                      </p:to>
-                                    </p:set>
-                                    <p:set>
-                                      <p:cBhvr>
-                                        <p:cTn id="46" dur="indefinite"/>
-                                        <p:tgtEl>
-                                          <p:spTgt spid="56"/>
-                                        </p:tgtEl>
-                                        <p:attrNameLst>
-                                          <p:attrName>stroke.on</p:attrName>
-                                        </p:attrNameLst>
-                                      </p:cBhvr>
-                                      <p:to>
-                                        <p:strVal val="true"/>
-                                      </p:to>
-                                    </p:set>
-                                  </p:childTnLst>
-                                </p:cTn>
-                              </p:par>
-                            </p:childTnLst>
-                          </p:cTn>
-                        </p:par>
-                      </p:childTnLst>
-                    </p:cTn>
-                  </p:par>
-                  <p:par>
-                    <p:cTn id="47" fill="hold">
-                      <p:stCondLst>
-                        <p:cond delay="indefinite"/>
-                      </p:stCondLst>
-                      <p:childTnLst>
-                        <p:par>
-                          <p:cTn id="48" fill="hold">
-                            <p:stCondLst>
-                              <p:cond delay="0"/>
-                            </p:stCondLst>
-                            <p:childTnLst>
-                              <p:par>
-                                <p:cTn id="49" presetID="7" presetClass="emph" presetSubtype="1" repeatCount="indefinite" nodeType="clickEffect">
-                                  <p:stCondLst>
-                                    <p:cond delay="0"/>
-                                  </p:stCondLst>
-                                  <p:endCondLst>
-                                    <p:cond evt="onNext" delay="0">
-                                      <p:tgtEl>
-                                        <p:sldTgt/>
-                                      </p:tgtEl>
-                                    </p:cond>
-                                  </p:endCondLst>
-                                  <p:childTnLst>
-                                    <p:set>
-                                      <p:cBhvr>
-                                        <p:cTn id="50" dur="indefinite"/>
-                                        <p:tgtEl>
-                                          <p:spTgt spid="57"/>
-                                        </p:tgtEl>
-                                        <p:attrNameLst>
-                                          <p:attrName>stroke.color</p:attrName>
-                                        </p:attrNameLst>
-                                      </p:cBhvr>
-                                      <p:to>
-                                        <p:clrVal>
-                                          <a:schemeClr val="accent2"/>
-                                        </p:clrVal>
-                                      </p:to>
-                                    </p:set>
-                                    <p:set>
-                                      <p:cBhvr>
-                                        <p:cTn id="51" dur="indefinite"/>
-                                        <p:tgtEl>
-                                          <p:spTgt spid="57"/>
-                                        </p:tgtEl>
-                                        <p:attrNameLst>
-                                          <p:attrName>stroke.on</p:attrName>
-                                        </p:attrNameLst>
-                                      </p:cBhvr>
-                                      <p:to>
-                                        <p:strVal val="true"/>
-                                      </p:to>
-                                    </p:set>
-                                  </p:childTnLst>
-                                </p:cTn>
-                              </p:par>
-                            </p:childTnLst>
-                          </p:cTn>
-                        </p:par>
-                      </p:childTnLst>
-                    </p:cTn>
-                  </p:par>
-                  <p:par>
-                    <p:cTn id="52" fill="hold">
-                      <p:stCondLst>
-                        <p:cond delay="indefinite"/>
-                      </p:stCondLst>
-                      <p:childTnLst>
-                        <p:par>
-                          <p:cTn id="53" fill="hold">
-                            <p:stCondLst>
-                              <p:cond delay="0"/>
-                            </p:stCondLst>
-                            <p:childTnLst>
-                              <p:par>
-                                <p:cTn id="54" presetID="7" presetClass="emph" presetSubtype="1" repeatCount="indefinite" nodeType="clickEffect">
-                                  <p:stCondLst>
-                                    <p:cond delay="0"/>
-                                  </p:stCondLst>
-                                  <p:endCondLst>
-                                    <p:cond evt="onNext" delay="0">
-                                      <p:tgtEl>
-                                        <p:sldTgt/>
-                                      </p:tgtEl>
-                                    </p:cond>
-                                  </p:endCondLst>
-                                  <p:childTnLst>
-                                    <p:set>
-                                      <p:cBhvr>
-                                        <p:cTn id="55" dur="indefinite"/>
-                                        <p:tgtEl>
-                                          <p:spTgt spid="58"/>
-                                        </p:tgtEl>
-                                        <p:attrNameLst>
-                                          <p:attrName>stroke.color</p:attrName>
-                                        </p:attrNameLst>
-                                      </p:cBhvr>
-                                      <p:to>
-                                        <p:clrVal>
-                                          <a:schemeClr val="accent2"/>
-                                        </p:clrVal>
-                                      </p:to>
-                                    </p:set>
-                                    <p:set>
-                                      <p:cBhvr>
-                                        <p:cTn id="56" dur="indefinite"/>
-                                        <p:tgtEl>
-                                          <p:spTgt spid="58"/>
-                                        </p:tgtEl>
-                                        <p:attrNameLst>
-                                          <p:attrName>stroke.on</p:attrName>
-                                        </p:attrNameLst>
-                                      </p:cBhvr>
-                                      <p:to>
-                                        <p:strVal val="true"/>
-                                      </p:to>
-                                    </p:set>
-                                  </p:childTnLst>
-                                </p:cTn>
-                              </p:par>
-                            </p:childTnLst>
-                          </p:cTn>
-                        </p:par>
-                      </p:childTnLst>
-                    </p:cTn>
-                  </p:par>
-                  <p:par>
-                    <p:cTn id="57" fill="hold">
-                      <p:stCondLst>
-                        <p:cond delay="indefinite"/>
-                      </p:stCondLst>
-                      <p:childTnLst>
-                        <p:par>
-                          <p:cTn id="58" fill="hold">
-                            <p:stCondLst>
-                              <p:cond delay="0"/>
-                            </p:stCondLst>
-                            <p:childTnLst>
-                              <p:par>
-                                <p:cTn id="59" presetID="7" presetClass="emph" presetSubtype="1" repeatCount="indefinite" nodeType="clickEffect">
-                                  <p:stCondLst>
-                                    <p:cond delay="0"/>
-                                  </p:stCondLst>
-                                  <p:endCondLst>
-                                    <p:cond evt="onNext" delay="0">
-                                      <p:tgtEl>
-                                        <p:sldTgt/>
-                                      </p:tgtEl>
-                                    </p:cond>
-                                  </p:endCondLst>
-                                  <p:childTnLst>
-                                    <p:set>
-                                      <p:cBhvr>
-                                        <p:cTn id="60" dur="indefinite"/>
-                                        <p:tgtEl>
-                                          <p:spTgt spid="59"/>
-                                        </p:tgtEl>
-                                        <p:attrNameLst>
-                                          <p:attrName>stroke.color</p:attrName>
-                                        </p:attrNameLst>
-                                      </p:cBhvr>
-                                      <p:to>
-                                        <p:clrVal>
-                                          <a:schemeClr val="accent2"/>
-                                        </p:clrVal>
-                                      </p:to>
-                                    </p:set>
-                                    <p:set>
-                                      <p:cBhvr>
-                                        <p:cTn id="61" dur="indefinite"/>
-                                        <p:tgtEl>
-                                          <p:spTgt spid="59"/>
-                                        </p:tgtEl>
-                                        <p:attrNameLst>
-                                          <p:attrName>stroke.on</p:attrName>
-                                        </p:attrNameLst>
-                                      </p:cBhvr>
-                                      <p:to>
-                                        <p:strVal val="true"/>
-                                      </p:to>
-                                    </p:set>
-                                  </p:childTnLst>
-                                </p:cTn>
-                              </p:par>
-                            </p:childTnLst>
-                          </p:cTn>
-                        </p:par>
-                      </p:childTnLst>
-                    </p:cTn>
-                  </p:par>
-                  <p:par>
-                    <p:cTn id="62" fill="hold">
-                      <p:stCondLst>
-                        <p:cond delay="indefinite"/>
-                      </p:stCondLst>
-                      <p:childTnLst>
-                        <p:par>
-                          <p:cTn id="63" fill="hold">
-                            <p:stCondLst>
-                              <p:cond delay="0"/>
-                            </p:stCondLst>
-                            <p:childTnLst>
-                              <p:par>
-                                <p:cTn id="64" presetID="7" presetClass="emph" presetSubtype="1" repeatCount="indefinite" nodeType="clickEffect">
-                                  <p:stCondLst>
-                                    <p:cond delay="0"/>
-                                  </p:stCondLst>
-                                  <p:endCondLst>
-                                    <p:cond evt="onNext" delay="0">
-                                      <p:tgtEl>
-                                        <p:sldTgt/>
-                                      </p:tgtEl>
-                                    </p:cond>
-                                  </p:endCondLst>
-                                  <p:childTnLst>
-                                    <p:set>
-                                      <p:cBhvr>
-                                        <p:cTn id="65" dur="indefinite"/>
-                                        <p:tgtEl>
-                                          <p:spTgt spid="61"/>
-                                        </p:tgtEl>
-                                        <p:attrNameLst>
-                                          <p:attrName>stroke.color</p:attrName>
-                                        </p:attrNameLst>
-                                      </p:cBhvr>
-                                      <p:to>
-                                        <p:clrVal>
-                                          <a:schemeClr val="accent2"/>
-                                        </p:clrVal>
-                                      </p:to>
-                                    </p:set>
-                                    <p:set>
-                                      <p:cBhvr>
-                                        <p:cTn id="66" dur="indefinite"/>
-                                        <p:tgtEl>
-                                          <p:spTgt spid="61"/>
-                                        </p:tgtEl>
-                                        <p:attrNameLst>
-                                          <p:attrName>stroke.on</p:attrName>
-                                        </p:attrNameLst>
-                                      </p:cBhvr>
-                                      <p:to>
-                                        <p:strVal val="true"/>
-                                      </p:to>
-                                    </p:set>
-                                  </p:childTnLst>
-                                </p:cTn>
-                              </p:par>
-                            </p:childTnLst>
-                          </p:cTn>
-                        </p:par>
-                      </p:childTnLst>
-                    </p:cTn>
-                  </p:par>
-                  <p:par>
-                    <p:cTn id="67" fill="hold">
-                      <p:stCondLst>
-                        <p:cond delay="indefinite"/>
-                      </p:stCondLst>
-                      <p:childTnLst>
-                        <p:par>
-                          <p:cTn id="68" fill="hold">
-                            <p:stCondLst>
-                              <p:cond delay="0"/>
-                            </p:stCondLst>
-                            <p:childTnLst>
-                              <p:par>
-                                <p:cTn id="69" presetID="7" presetClass="emph" presetSubtype="1" repeatCount="indefinite" nodeType="clickEffect">
-                                  <p:stCondLst>
-                                    <p:cond delay="0"/>
-                                  </p:stCondLst>
-                                  <p:endCondLst>
-                                    <p:cond evt="onNext" delay="0">
-                                      <p:tgtEl>
-                                        <p:sldTgt/>
-                                      </p:tgtEl>
-                                    </p:cond>
-                                  </p:endCondLst>
-                                  <p:childTnLst>
-                                    <p:set>
-                                      <p:cBhvr>
-                                        <p:cTn id="70" dur="indefinite"/>
-                                        <p:tgtEl>
-                                          <p:spTgt spid="62"/>
-                                        </p:tgtEl>
-                                        <p:attrNameLst>
-                                          <p:attrName>stroke.color</p:attrName>
-                                        </p:attrNameLst>
-                                      </p:cBhvr>
-                                      <p:to>
-                                        <p:clrVal>
-                                          <a:schemeClr val="accent2"/>
-                                        </p:clrVal>
-                                      </p:to>
-                                    </p:set>
-                                    <p:set>
-                                      <p:cBhvr>
-                                        <p:cTn id="71" dur="indefinite"/>
-                                        <p:tgtEl>
-                                          <p:spTgt spid="62"/>
-                                        </p:tgtEl>
-                                        <p:attrNameLst>
-                                          <p:attrName>stroke.on</p:attrName>
-                                        </p:attrNameLst>
-                                      </p:cBhvr>
-                                      <p:to>
-                                        <p:strVal val="true"/>
-                                      </p:to>
-                                    </p:set>
-                                  </p:childTnLst>
-                                </p:cTn>
-                              </p:par>
-                            </p:childTnLst>
-                          </p:cTn>
-                        </p:par>
-                      </p:childTnLst>
-                    </p:cTn>
-                  </p:par>
-                </p:childTnLst>
-              </p:cTn>
-              <p:prevCondLst>
-                <p:cond evt="onPrev" delay="0">
-                  <p:tgtEl>
-                    <p:sldTgt/>
-                  </p:tgtEl>
-                </p:cond>
-              </p:prevCondLst>
-              <p:nextCondLst>
-                <p:cond evt="onNext" delay="0">
-                  <p:tgtEl>
-                    <p:sldTgt/>
-                  </p:tgtEl>
-                </p:cond>
-              </p:nextCondLst>
-            </p:seq>
-          </p:childTnLst>
-        </p:cTn>
-      </p:par>
-    </p:tnLst>
-    <p:bldLst>
-      <p:bldP spid="47" grpId="0"/>
-    </p:bldLst>
-  </p:timing>
 </p:sld>
 </file>
 
@@ -31475,932 +28697,6 @@
   <p:clrMapOvr>
     <a:masterClrMapping/>
   </p:clrMapOvr>
-  <p:timing>
-    <p:tnLst>
-      <p:par>
-        <p:cTn id="1" dur="indefinite" restart="never" nodeType="tmRoot">
-          <p:childTnLst>
-            <p:seq concurrent="1" nextAc="seek">
-              <p:cTn id="2" dur="indefinite" nodeType="mainSeq">
-                <p:childTnLst>
-                  <p:par>
-                    <p:cTn id="3" fill="hold">
-                      <p:stCondLst>
-                        <p:cond delay="indefinite"/>
-                      </p:stCondLst>
-                      <p:childTnLst>
-                        <p:par>
-                          <p:cTn id="4" fill="hold">
-                            <p:stCondLst>
-                              <p:cond delay="0"/>
-                            </p:stCondLst>
-                            <p:childTnLst>
-                              <p:par>
-                                <p:cTn id="5" presetID="7" presetClass="emph" presetSubtype="1" nodeType="clickEffect">
-                                  <p:stCondLst>
-                                    <p:cond delay="0"/>
-                                  </p:stCondLst>
-                                  <p:childTnLst>
-                                    <p:set>
-                                      <p:cBhvr>
-                                        <p:cTn id="6" dur="2000"/>
-                                        <p:tgtEl>
-                                          <p:spTgt spid="42"/>
-                                        </p:tgtEl>
-                                        <p:attrNameLst>
-                                          <p:attrName>stroke.color</p:attrName>
-                                        </p:attrNameLst>
-                                      </p:cBhvr>
-                                      <p:to>
-                                        <p:clrVal>
-                                          <a:schemeClr val="accent2"/>
-                                        </p:clrVal>
-                                      </p:to>
-                                    </p:set>
-                                    <p:set>
-                                      <p:cBhvr>
-                                        <p:cTn id="7" dur="2000"/>
-                                        <p:tgtEl>
-                                          <p:spTgt spid="42"/>
-                                        </p:tgtEl>
-                                        <p:attrNameLst>
-                                          <p:attrName>stroke.on</p:attrName>
-                                        </p:attrNameLst>
-                                      </p:cBhvr>
-                                      <p:to>
-                                        <p:strVal val="true"/>
-                                      </p:to>
-                                    </p:set>
-                                  </p:childTnLst>
-                                </p:cTn>
-                              </p:par>
-                            </p:childTnLst>
-                          </p:cTn>
-                        </p:par>
-                      </p:childTnLst>
-                    </p:cTn>
-                  </p:par>
-                  <p:par>
-                    <p:cTn id="8" fill="hold">
-                      <p:stCondLst>
-                        <p:cond delay="indefinite"/>
-                      </p:stCondLst>
-                      <p:childTnLst>
-                        <p:par>
-                          <p:cTn id="9" fill="hold">
-                            <p:stCondLst>
-                              <p:cond delay="0"/>
-                            </p:stCondLst>
-                            <p:childTnLst>
-                              <p:par>
-                                <p:cTn id="10" presetID="7" presetClass="emph" presetSubtype="1" repeatCount="indefinite" nodeType="clickEffect">
-                                  <p:stCondLst>
-                                    <p:cond delay="0"/>
-                                  </p:stCondLst>
-                                  <p:endCondLst>
-                                    <p:cond evt="onNext" delay="0">
-                                      <p:tgtEl>
-                                        <p:sldTgt/>
-                                      </p:tgtEl>
-                                    </p:cond>
-                                  </p:endCondLst>
-                                  <p:childTnLst>
-                                    <p:set>
-                                      <p:cBhvr>
-                                        <p:cTn id="11" dur="indefinite"/>
-                                        <p:tgtEl>
-                                          <p:spTgt spid="44"/>
-                                        </p:tgtEl>
-                                        <p:attrNameLst>
-                                          <p:attrName>stroke.color</p:attrName>
-                                        </p:attrNameLst>
-                                      </p:cBhvr>
-                                      <p:to>
-                                        <p:clrVal>
-                                          <a:schemeClr val="accent2"/>
-                                        </p:clrVal>
-                                      </p:to>
-                                    </p:set>
-                                    <p:set>
-                                      <p:cBhvr>
-                                        <p:cTn id="12" dur="indefinite"/>
-                                        <p:tgtEl>
-                                          <p:spTgt spid="44"/>
-                                        </p:tgtEl>
-                                        <p:attrNameLst>
-                                          <p:attrName>stroke.on</p:attrName>
-                                        </p:attrNameLst>
-                                      </p:cBhvr>
-                                      <p:to>
-                                        <p:strVal val="true"/>
-                                      </p:to>
-                                    </p:set>
-                                  </p:childTnLst>
-                                </p:cTn>
-                              </p:par>
-                              <p:par>
-                                <p:cTn id="13" presetID="3" presetClass="emph" presetSubtype="1" repeatCount="indefinite" nodeType="withEffect">
-                                  <p:stCondLst>
-                                    <p:cond delay="100"/>
-                                  </p:stCondLst>
-                                  <p:endCondLst>
-                                    <p:cond evt="onNext" delay="0">
-                                      <p:tgtEl>
-                                        <p:sldTgt/>
-                                      </p:tgtEl>
-                                    </p:cond>
-                                  </p:endCondLst>
-                                  <p:childTnLst>
-                                    <p:set>
-                                      <p:cBhvr override="childStyle">
-                                        <p:cTn id="14" dur="indefinite"/>
-                                        <p:tgtEl>
-                                          <p:spTgt spid="46">
-                                            <p:txEl>
-                                              <p:pRg st="0" end="0"/>
-                                            </p:txEl>
-                                          </p:spTgt>
-                                        </p:tgtEl>
-                                        <p:attrNameLst>
-                                          <p:attrName>style.color</p:attrName>
-                                        </p:attrNameLst>
-                                      </p:cBhvr>
-                                      <p:to>
-                                        <p:clrVal>
-                                          <a:schemeClr val="accent2"/>
-                                        </p:clrVal>
-                                      </p:to>
-                                    </p:set>
-                                  </p:childTnLst>
-                                </p:cTn>
-                              </p:par>
-                            </p:childTnLst>
-                          </p:cTn>
-                        </p:par>
-                      </p:childTnLst>
-                    </p:cTn>
-                  </p:par>
-                  <p:par>
-                    <p:cTn id="15" fill="hold">
-                      <p:stCondLst>
-                        <p:cond delay="indefinite"/>
-                      </p:stCondLst>
-                      <p:childTnLst>
-                        <p:par>
-                          <p:cTn id="16" fill="hold">
-                            <p:stCondLst>
-                              <p:cond delay="0"/>
-                            </p:stCondLst>
-                            <p:childTnLst>
-                              <p:par>
-                                <p:cTn id="17" presetID="7" presetClass="emph" presetSubtype="1" nodeType="clickEffect">
-                                  <p:stCondLst>
-                                    <p:cond delay="0"/>
-                                  </p:stCondLst>
-                                  <p:endCondLst>
-                                    <p:cond evt="onNext" delay="0">
-                                      <p:tgtEl>
-                                        <p:sldTgt/>
-                                      </p:tgtEl>
-                                    </p:cond>
-                                  </p:endCondLst>
-                                  <p:childTnLst>
-                                    <p:set>
-                                      <p:cBhvr>
-                                        <p:cTn id="18" dur="indefinite"/>
-                                        <p:tgtEl>
-                                          <p:spTgt spid="45"/>
-                                        </p:tgtEl>
-                                        <p:attrNameLst>
-                                          <p:attrName>stroke.color</p:attrName>
-                                        </p:attrNameLst>
-                                      </p:cBhvr>
-                                      <p:to>
-                                        <p:clrVal>
-                                          <a:srgbClr val="ED7D31"/>
-                                        </p:clrVal>
-                                      </p:to>
-                                    </p:set>
-                                    <p:set>
-                                      <p:cBhvr>
-                                        <p:cTn id="19" dur="indefinite"/>
-                                        <p:tgtEl>
-                                          <p:spTgt spid="45"/>
-                                        </p:tgtEl>
-                                        <p:attrNameLst>
-                                          <p:attrName>stroke.on</p:attrName>
-                                        </p:attrNameLst>
-                                      </p:cBhvr>
-                                      <p:to>
-                                        <p:strVal val="true"/>
-                                      </p:to>
-                                    </p:set>
-                                  </p:childTnLst>
-                                </p:cTn>
-                              </p:par>
-                            </p:childTnLst>
-                          </p:cTn>
-                        </p:par>
-                      </p:childTnLst>
-                    </p:cTn>
-                  </p:par>
-                  <p:par>
-                    <p:cTn id="20" fill="hold">
-                      <p:stCondLst>
-                        <p:cond delay="indefinite"/>
-                      </p:stCondLst>
-                      <p:childTnLst>
-                        <p:par>
-                          <p:cTn id="21" fill="hold">
-                            <p:stCondLst>
-                              <p:cond delay="0"/>
-                            </p:stCondLst>
-                            <p:childTnLst>
-                              <p:par>
-                                <p:cTn id="22" presetID="7" presetClass="emph" presetSubtype="1" nodeType="clickEffect">
-                                  <p:stCondLst>
-                                    <p:cond delay="0"/>
-                                  </p:stCondLst>
-                                  <p:endCondLst>
-                                    <p:cond evt="onNext" delay="0">
-                                      <p:tgtEl>
-                                        <p:sldTgt/>
-                                      </p:tgtEl>
-                                    </p:cond>
-                                  </p:endCondLst>
-                                  <p:childTnLst>
-                                    <p:set>
-                                      <p:cBhvr>
-                                        <p:cTn id="23" dur="indefinite"/>
-                                        <p:tgtEl>
-                                          <p:spTgt spid="43"/>
-                                        </p:tgtEl>
-                                        <p:attrNameLst>
-                                          <p:attrName>stroke.color</p:attrName>
-                                        </p:attrNameLst>
-                                      </p:cBhvr>
-                                      <p:to>
-                                        <p:clrVal>
-                                          <a:schemeClr val="accent2"/>
-                                        </p:clrVal>
-                                      </p:to>
-                                    </p:set>
-                                    <p:set>
-                                      <p:cBhvr>
-                                        <p:cTn id="24" dur="indefinite"/>
-                                        <p:tgtEl>
-                                          <p:spTgt spid="43"/>
-                                        </p:tgtEl>
-                                        <p:attrNameLst>
-                                          <p:attrName>stroke.on</p:attrName>
-                                        </p:attrNameLst>
-                                      </p:cBhvr>
-                                      <p:to>
-                                        <p:strVal val="true"/>
-                                      </p:to>
-                                    </p:set>
-                                  </p:childTnLst>
-                                </p:cTn>
-                              </p:par>
-                              <p:par>
-                                <p:cTn id="25" presetID="3" presetClass="emph" presetSubtype="1" grpId="0" nodeType="withEffect">
-                                  <p:stCondLst>
-                                    <p:cond delay="0"/>
-                                  </p:stCondLst>
-                                  <p:endCondLst>
-                                    <p:cond evt="onNext" delay="0">
-                                      <p:tgtEl>
-                                        <p:sldTgt/>
-                                      </p:tgtEl>
-                                    </p:cond>
-                                  </p:endCondLst>
-                                  <p:childTnLst>
-                                    <p:set>
-                                      <p:cBhvr override="childStyle">
-                                        <p:cTn id="26" dur="indefinite"/>
-                                        <p:tgtEl>
-                                          <p:spTgt spid="47"/>
-                                        </p:tgtEl>
-                                        <p:attrNameLst>
-                                          <p:attrName>style.color</p:attrName>
-                                        </p:attrNameLst>
-                                      </p:cBhvr>
-                                      <p:to>
-                                        <p:clrVal>
-                                          <a:schemeClr val="accent2"/>
-                                        </p:clrVal>
-                                      </p:to>
-                                    </p:set>
-                                  </p:childTnLst>
-                                </p:cTn>
-                              </p:par>
-                            </p:childTnLst>
-                          </p:cTn>
-                        </p:par>
-                      </p:childTnLst>
-                    </p:cTn>
-                  </p:par>
-                  <p:par>
-                    <p:cTn id="27" fill="hold">
-                      <p:stCondLst>
-                        <p:cond delay="indefinite"/>
-                      </p:stCondLst>
-                      <p:childTnLst>
-                        <p:par>
-                          <p:cTn id="28" fill="hold">
-                            <p:stCondLst>
-                              <p:cond delay="0"/>
-                            </p:stCondLst>
-                            <p:childTnLst>
-                              <p:par>
-                                <p:cTn id="29" presetID="7" presetClass="emph" presetSubtype="1" repeatCount="indefinite" nodeType="clickEffect">
-                                  <p:stCondLst>
-                                    <p:cond delay="0"/>
-                                  </p:stCondLst>
-                                  <p:endCondLst>
-                                    <p:cond evt="onNext" delay="0">
-                                      <p:tgtEl>
-                                        <p:sldTgt/>
-                                      </p:tgtEl>
-                                    </p:cond>
-                                  </p:endCondLst>
-                                  <p:childTnLst>
-                                    <p:set>
-                                      <p:cBhvr>
-                                        <p:cTn id="30" dur="indefinite"/>
-                                        <p:tgtEl>
-                                          <p:spTgt spid="48"/>
-                                        </p:tgtEl>
-                                        <p:attrNameLst>
-                                          <p:attrName>stroke.color</p:attrName>
-                                        </p:attrNameLst>
-                                      </p:cBhvr>
-                                      <p:to>
-                                        <p:clrVal>
-                                          <a:schemeClr val="accent2"/>
-                                        </p:clrVal>
-                                      </p:to>
-                                    </p:set>
-                                    <p:set>
-                                      <p:cBhvr>
-                                        <p:cTn id="31" dur="indefinite"/>
-                                        <p:tgtEl>
-                                          <p:spTgt spid="48"/>
-                                        </p:tgtEl>
-                                        <p:attrNameLst>
-                                          <p:attrName>stroke.on</p:attrName>
-                                        </p:attrNameLst>
-                                      </p:cBhvr>
-                                      <p:to>
-                                        <p:strVal val="true"/>
-                                      </p:to>
-                                    </p:set>
-                                  </p:childTnLst>
-                                </p:cTn>
-                              </p:par>
-                            </p:childTnLst>
-                          </p:cTn>
-                        </p:par>
-                      </p:childTnLst>
-                    </p:cTn>
-                  </p:par>
-                  <p:par>
-                    <p:cTn id="32" fill="hold">
-                      <p:stCondLst>
-                        <p:cond delay="indefinite"/>
-                      </p:stCondLst>
-                      <p:childTnLst>
-                        <p:par>
-                          <p:cTn id="33" fill="hold">
-                            <p:stCondLst>
-                              <p:cond delay="0"/>
-                            </p:stCondLst>
-                            <p:childTnLst>
-                              <p:par>
-                                <p:cTn id="34" presetID="7" presetClass="emph" presetSubtype="1" repeatCount="indefinite" nodeType="clickEffect">
-                                  <p:stCondLst>
-                                    <p:cond delay="0"/>
-                                  </p:stCondLst>
-                                  <p:endCondLst>
-                                    <p:cond evt="onNext" delay="0">
-                                      <p:tgtEl>
-                                        <p:sldTgt/>
-                                      </p:tgtEl>
-                                    </p:cond>
-                                  </p:endCondLst>
-                                  <p:childTnLst>
-                                    <p:set>
-                                      <p:cBhvr>
-                                        <p:cTn id="35" dur="indefinite"/>
-                                        <p:tgtEl>
-                                          <p:spTgt spid="54"/>
-                                        </p:tgtEl>
-                                        <p:attrNameLst>
-                                          <p:attrName>stroke.color</p:attrName>
-                                        </p:attrNameLst>
-                                      </p:cBhvr>
-                                      <p:to>
-                                        <p:clrVal>
-                                          <a:schemeClr val="accent2"/>
-                                        </p:clrVal>
-                                      </p:to>
-                                    </p:set>
-                                    <p:set>
-                                      <p:cBhvr>
-                                        <p:cTn id="36" dur="indefinite"/>
-                                        <p:tgtEl>
-                                          <p:spTgt spid="54"/>
-                                        </p:tgtEl>
-                                        <p:attrNameLst>
-                                          <p:attrName>stroke.on</p:attrName>
-                                        </p:attrNameLst>
-                                      </p:cBhvr>
-                                      <p:to>
-                                        <p:strVal val="true"/>
-                                      </p:to>
-                                    </p:set>
-                                  </p:childTnLst>
-                                </p:cTn>
-                              </p:par>
-                            </p:childTnLst>
-                          </p:cTn>
-                        </p:par>
-                      </p:childTnLst>
-                    </p:cTn>
-                  </p:par>
-                  <p:par>
-                    <p:cTn id="37" fill="hold">
-                      <p:stCondLst>
-                        <p:cond delay="indefinite"/>
-                      </p:stCondLst>
-                      <p:childTnLst>
-                        <p:par>
-                          <p:cTn id="38" fill="hold">
-                            <p:stCondLst>
-                              <p:cond delay="0"/>
-                            </p:stCondLst>
-                            <p:childTnLst>
-                              <p:par>
-                                <p:cTn id="39" presetID="7" presetClass="emph" presetSubtype="1" repeatCount="indefinite" nodeType="clickEffect">
-                                  <p:stCondLst>
-                                    <p:cond delay="0"/>
-                                  </p:stCondLst>
-                                  <p:endCondLst>
-                                    <p:cond evt="onNext" delay="0">
-                                      <p:tgtEl>
-                                        <p:sldTgt/>
-                                      </p:tgtEl>
-                                    </p:cond>
-                                  </p:endCondLst>
-                                  <p:childTnLst>
-                                    <p:set>
-                                      <p:cBhvr>
-                                        <p:cTn id="40" dur="indefinite"/>
-                                        <p:tgtEl>
-                                          <p:spTgt spid="55"/>
-                                        </p:tgtEl>
-                                        <p:attrNameLst>
-                                          <p:attrName>stroke.color</p:attrName>
-                                        </p:attrNameLst>
-                                      </p:cBhvr>
-                                      <p:to>
-                                        <p:clrVal>
-                                          <a:schemeClr val="accent2"/>
-                                        </p:clrVal>
-                                      </p:to>
-                                    </p:set>
-                                    <p:set>
-                                      <p:cBhvr>
-                                        <p:cTn id="41" dur="indefinite"/>
-                                        <p:tgtEl>
-                                          <p:spTgt spid="55"/>
-                                        </p:tgtEl>
-                                        <p:attrNameLst>
-                                          <p:attrName>stroke.on</p:attrName>
-                                        </p:attrNameLst>
-                                      </p:cBhvr>
-                                      <p:to>
-                                        <p:strVal val="true"/>
-                                      </p:to>
-                                    </p:set>
-                                  </p:childTnLst>
-                                </p:cTn>
-                              </p:par>
-                            </p:childTnLst>
-                          </p:cTn>
-                        </p:par>
-                      </p:childTnLst>
-                    </p:cTn>
-                  </p:par>
-                  <p:par>
-                    <p:cTn id="42" fill="hold">
-                      <p:stCondLst>
-                        <p:cond delay="indefinite"/>
-                      </p:stCondLst>
-                      <p:childTnLst>
-                        <p:par>
-                          <p:cTn id="43" fill="hold">
-                            <p:stCondLst>
-                              <p:cond delay="0"/>
-                            </p:stCondLst>
-                            <p:childTnLst>
-                              <p:par>
-                                <p:cTn id="44" presetID="7" presetClass="emph" presetSubtype="1" repeatCount="indefinite" nodeType="clickEffect">
-                                  <p:stCondLst>
-                                    <p:cond delay="0"/>
-                                  </p:stCondLst>
-                                  <p:endCondLst>
-                                    <p:cond evt="onNext" delay="0">
-                                      <p:tgtEl>
-                                        <p:sldTgt/>
-                                      </p:tgtEl>
-                                    </p:cond>
-                                  </p:endCondLst>
-                                  <p:childTnLst>
-                                    <p:set>
-                                      <p:cBhvr>
-                                        <p:cTn id="45" dur="indefinite"/>
-                                        <p:tgtEl>
-                                          <p:spTgt spid="56"/>
-                                        </p:tgtEl>
-                                        <p:attrNameLst>
-                                          <p:attrName>stroke.color</p:attrName>
-                                        </p:attrNameLst>
-                                      </p:cBhvr>
-                                      <p:to>
-                                        <p:clrVal>
-                                          <a:schemeClr val="accent2"/>
-                                        </p:clrVal>
-                                      </p:to>
-                                    </p:set>
-                                    <p:set>
-                                      <p:cBhvr>
-                                        <p:cTn id="46" dur="indefinite"/>
-                                        <p:tgtEl>
-                                          <p:spTgt spid="56"/>
-                                        </p:tgtEl>
-                                        <p:attrNameLst>
-                                          <p:attrName>stroke.on</p:attrName>
-                                        </p:attrNameLst>
-                                      </p:cBhvr>
-                                      <p:to>
-                                        <p:strVal val="true"/>
-                                      </p:to>
-                                    </p:set>
-                                  </p:childTnLst>
-                                </p:cTn>
-                              </p:par>
-                            </p:childTnLst>
-                          </p:cTn>
-                        </p:par>
-                      </p:childTnLst>
-                    </p:cTn>
-                  </p:par>
-                  <p:par>
-                    <p:cTn id="47" fill="hold">
-                      <p:stCondLst>
-                        <p:cond delay="indefinite"/>
-                      </p:stCondLst>
-                      <p:childTnLst>
-                        <p:par>
-                          <p:cTn id="48" fill="hold">
-                            <p:stCondLst>
-                              <p:cond delay="0"/>
-                            </p:stCondLst>
-                            <p:childTnLst>
-                              <p:par>
-                                <p:cTn id="49" presetID="7" presetClass="emph" presetSubtype="1" repeatCount="indefinite" nodeType="clickEffect">
-                                  <p:stCondLst>
-                                    <p:cond delay="0"/>
-                                  </p:stCondLst>
-                                  <p:endCondLst>
-                                    <p:cond evt="onNext" delay="0">
-                                      <p:tgtEl>
-                                        <p:sldTgt/>
-                                      </p:tgtEl>
-                                    </p:cond>
-                                  </p:endCondLst>
-                                  <p:childTnLst>
-                                    <p:set>
-                                      <p:cBhvr>
-                                        <p:cTn id="50" dur="indefinite"/>
-                                        <p:tgtEl>
-                                          <p:spTgt spid="57"/>
-                                        </p:tgtEl>
-                                        <p:attrNameLst>
-                                          <p:attrName>stroke.color</p:attrName>
-                                        </p:attrNameLst>
-                                      </p:cBhvr>
-                                      <p:to>
-                                        <p:clrVal>
-                                          <a:schemeClr val="accent2"/>
-                                        </p:clrVal>
-                                      </p:to>
-                                    </p:set>
-                                    <p:set>
-                                      <p:cBhvr>
-                                        <p:cTn id="51" dur="indefinite"/>
-                                        <p:tgtEl>
-                                          <p:spTgt spid="57"/>
-                                        </p:tgtEl>
-                                        <p:attrNameLst>
-                                          <p:attrName>stroke.on</p:attrName>
-                                        </p:attrNameLst>
-                                      </p:cBhvr>
-                                      <p:to>
-                                        <p:strVal val="true"/>
-                                      </p:to>
-                                    </p:set>
-                                  </p:childTnLst>
-                                </p:cTn>
-                              </p:par>
-                            </p:childTnLst>
-                          </p:cTn>
-                        </p:par>
-                      </p:childTnLst>
-                    </p:cTn>
-                  </p:par>
-                  <p:par>
-                    <p:cTn id="52" fill="hold">
-                      <p:stCondLst>
-                        <p:cond delay="indefinite"/>
-                      </p:stCondLst>
-                      <p:childTnLst>
-                        <p:par>
-                          <p:cTn id="53" fill="hold">
-                            <p:stCondLst>
-                              <p:cond delay="0"/>
-                            </p:stCondLst>
-                            <p:childTnLst>
-                              <p:par>
-                                <p:cTn id="54" presetID="7" presetClass="emph" presetSubtype="1" repeatCount="indefinite" nodeType="clickEffect">
-                                  <p:stCondLst>
-                                    <p:cond delay="0"/>
-                                  </p:stCondLst>
-                                  <p:endCondLst>
-                                    <p:cond evt="onNext" delay="0">
-                                      <p:tgtEl>
-                                        <p:sldTgt/>
-                                      </p:tgtEl>
-                                    </p:cond>
-                                  </p:endCondLst>
-                                  <p:childTnLst>
-                                    <p:set>
-                                      <p:cBhvr>
-                                        <p:cTn id="55" dur="indefinite"/>
-                                        <p:tgtEl>
-                                          <p:spTgt spid="58"/>
-                                        </p:tgtEl>
-                                        <p:attrNameLst>
-                                          <p:attrName>stroke.color</p:attrName>
-                                        </p:attrNameLst>
-                                      </p:cBhvr>
-                                      <p:to>
-                                        <p:clrVal>
-                                          <a:schemeClr val="accent2"/>
-                                        </p:clrVal>
-                                      </p:to>
-                                    </p:set>
-                                    <p:set>
-                                      <p:cBhvr>
-                                        <p:cTn id="56" dur="indefinite"/>
-                                        <p:tgtEl>
-                                          <p:spTgt spid="58"/>
-                                        </p:tgtEl>
-                                        <p:attrNameLst>
-                                          <p:attrName>stroke.on</p:attrName>
-                                        </p:attrNameLst>
-                                      </p:cBhvr>
-                                      <p:to>
-                                        <p:strVal val="true"/>
-                                      </p:to>
-                                    </p:set>
-                                  </p:childTnLst>
-                                </p:cTn>
-                              </p:par>
-                            </p:childTnLst>
-                          </p:cTn>
-                        </p:par>
-                      </p:childTnLst>
-                    </p:cTn>
-                  </p:par>
-                  <p:par>
-                    <p:cTn id="57" fill="hold">
-                      <p:stCondLst>
-                        <p:cond delay="indefinite"/>
-                      </p:stCondLst>
-                      <p:childTnLst>
-                        <p:par>
-                          <p:cTn id="58" fill="hold">
-                            <p:stCondLst>
-                              <p:cond delay="0"/>
-                            </p:stCondLst>
-                            <p:childTnLst>
-                              <p:par>
-                                <p:cTn id="59" presetID="7" presetClass="emph" presetSubtype="1" repeatCount="indefinite" nodeType="clickEffect">
-                                  <p:stCondLst>
-                                    <p:cond delay="0"/>
-                                  </p:stCondLst>
-                                  <p:endCondLst>
-                                    <p:cond evt="onNext" delay="0">
-                                      <p:tgtEl>
-                                        <p:sldTgt/>
-                                      </p:tgtEl>
-                                    </p:cond>
-                                  </p:endCondLst>
-                                  <p:childTnLst>
-                                    <p:set>
-                                      <p:cBhvr>
-                                        <p:cTn id="60" dur="indefinite"/>
-                                        <p:tgtEl>
-                                          <p:spTgt spid="59"/>
-                                        </p:tgtEl>
-                                        <p:attrNameLst>
-                                          <p:attrName>stroke.color</p:attrName>
-                                        </p:attrNameLst>
-                                      </p:cBhvr>
-                                      <p:to>
-                                        <p:clrVal>
-                                          <a:schemeClr val="accent2"/>
-                                        </p:clrVal>
-                                      </p:to>
-                                    </p:set>
-                                    <p:set>
-                                      <p:cBhvr>
-                                        <p:cTn id="61" dur="indefinite"/>
-                                        <p:tgtEl>
-                                          <p:spTgt spid="59"/>
-                                        </p:tgtEl>
-                                        <p:attrNameLst>
-                                          <p:attrName>stroke.on</p:attrName>
-                                        </p:attrNameLst>
-                                      </p:cBhvr>
-                                      <p:to>
-                                        <p:strVal val="true"/>
-                                      </p:to>
-                                    </p:set>
-                                  </p:childTnLst>
-                                </p:cTn>
-                              </p:par>
-                            </p:childTnLst>
-                          </p:cTn>
-                        </p:par>
-                      </p:childTnLst>
-                    </p:cTn>
-                  </p:par>
-                  <p:par>
-                    <p:cTn id="62" fill="hold">
-                      <p:stCondLst>
-                        <p:cond delay="indefinite"/>
-                      </p:stCondLst>
-                      <p:childTnLst>
-                        <p:par>
-                          <p:cTn id="63" fill="hold">
-                            <p:stCondLst>
-                              <p:cond delay="0"/>
-                            </p:stCondLst>
-                            <p:childTnLst>
-                              <p:par>
-                                <p:cTn id="64" presetID="7" presetClass="emph" presetSubtype="1" repeatCount="indefinite" nodeType="clickEffect">
-                                  <p:stCondLst>
-                                    <p:cond delay="0"/>
-                                  </p:stCondLst>
-                                  <p:endCondLst>
-                                    <p:cond evt="onNext" delay="0">
-                                      <p:tgtEl>
-                                        <p:sldTgt/>
-                                      </p:tgtEl>
-                                    </p:cond>
-                                  </p:endCondLst>
-                                  <p:childTnLst>
-                                    <p:set>
-                                      <p:cBhvr>
-                                        <p:cTn id="65" dur="indefinite"/>
-                                        <p:tgtEl>
-                                          <p:spTgt spid="61"/>
-                                        </p:tgtEl>
-                                        <p:attrNameLst>
-                                          <p:attrName>stroke.color</p:attrName>
-                                        </p:attrNameLst>
-                                      </p:cBhvr>
-                                      <p:to>
-                                        <p:clrVal>
-                                          <a:schemeClr val="accent2"/>
-                                        </p:clrVal>
-                                      </p:to>
-                                    </p:set>
-                                    <p:set>
-                                      <p:cBhvr>
-                                        <p:cTn id="66" dur="indefinite"/>
-                                        <p:tgtEl>
-                                          <p:spTgt spid="61"/>
-                                        </p:tgtEl>
-                                        <p:attrNameLst>
-                                          <p:attrName>stroke.on</p:attrName>
-                                        </p:attrNameLst>
-                                      </p:cBhvr>
-                                      <p:to>
-                                        <p:strVal val="true"/>
-                                      </p:to>
-                                    </p:set>
-                                  </p:childTnLst>
-                                </p:cTn>
-                              </p:par>
-                            </p:childTnLst>
-                          </p:cTn>
-                        </p:par>
-                      </p:childTnLst>
-                    </p:cTn>
-                  </p:par>
-                  <p:par>
-                    <p:cTn id="67" fill="hold">
-                      <p:stCondLst>
-                        <p:cond delay="indefinite"/>
-                      </p:stCondLst>
-                      <p:childTnLst>
-                        <p:par>
-                          <p:cTn id="68" fill="hold">
-                            <p:stCondLst>
-                              <p:cond delay="0"/>
-                            </p:stCondLst>
-                            <p:childTnLst>
-                              <p:par>
-                                <p:cTn id="69" presetID="7" presetClass="emph" presetSubtype="1" repeatCount="indefinite" nodeType="clickEffect">
-                                  <p:stCondLst>
-                                    <p:cond delay="0"/>
-                                  </p:stCondLst>
-                                  <p:endCondLst>
-                                    <p:cond evt="onNext" delay="0">
-                                      <p:tgtEl>
-                                        <p:sldTgt/>
-                                      </p:tgtEl>
-                                    </p:cond>
-                                  </p:endCondLst>
-                                  <p:childTnLst>
-                                    <p:set>
-                                      <p:cBhvr>
-                                        <p:cTn id="70" dur="indefinite"/>
-                                        <p:tgtEl>
-                                          <p:spTgt spid="62"/>
-                                        </p:tgtEl>
-                                        <p:attrNameLst>
-                                          <p:attrName>stroke.color</p:attrName>
-                                        </p:attrNameLst>
-                                      </p:cBhvr>
-                                      <p:to>
-                                        <p:clrVal>
-                                          <a:schemeClr val="accent2"/>
-                                        </p:clrVal>
-                                      </p:to>
-                                    </p:set>
-                                    <p:set>
-                                      <p:cBhvr>
-                                        <p:cTn id="71" dur="indefinite"/>
-                                        <p:tgtEl>
-                                          <p:spTgt spid="62"/>
-                                        </p:tgtEl>
-                                        <p:attrNameLst>
-                                          <p:attrName>stroke.on</p:attrName>
-                                        </p:attrNameLst>
-                                      </p:cBhvr>
-                                      <p:to>
-                                        <p:strVal val="true"/>
-                                      </p:to>
-                                    </p:set>
-                                  </p:childTnLst>
-                                </p:cTn>
-                              </p:par>
-                            </p:childTnLst>
-                          </p:cTn>
-                        </p:par>
-                      </p:childTnLst>
-                    </p:cTn>
-                  </p:par>
-                </p:childTnLst>
-              </p:cTn>
-              <p:prevCondLst>
-                <p:cond evt="onPrev" delay="0">
-                  <p:tgtEl>
-                    <p:sldTgt/>
-                  </p:tgtEl>
-                </p:cond>
-              </p:prevCondLst>
-              <p:nextCondLst>
-                <p:cond evt="onNext" delay="0">
-                  <p:tgtEl>
-                    <p:sldTgt/>
-                  </p:tgtEl>
-                </p:cond>
-              </p:nextCondLst>
-            </p:seq>
-          </p:childTnLst>
-        </p:cTn>
-      </p:par>
-    </p:tnLst>
-    <p:bldLst>
-      <p:bldP spid="47" grpId="0"/>
-    </p:bldLst>
-  </p:timing>
 </p:sld>
 </file>
 
@@ -33740,932 +30036,6 @@
   <p:clrMapOvr>
     <a:masterClrMapping/>
   </p:clrMapOvr>
-  <p:timing>
-    <p:tnLst>
-      <p:par>
-        <p:cTn id="1" dur="indefinite" restart="never" nodeType="tmRoot">
-          <p:childTnLst>
-            <p:seq concurrent="1" nextAc="seek">
-              <p:cTn id="2" dur="indefinite" nodeType="mainSeq">
-                <p:childTnLst>
-                  <p:par>
-                    <p:cTn id="3" fill="hold">
-                      <p:stCondLst>
-                        <p:cond delay="indefinite"/>
-                      </p:stCondLst>
-                      <p:childTnLst>
-                        <p:par>
-                          <p:cTn id="4" fill="hold">
-                            <p:stCondLst>
-                              <p:cond delay="0"/>
-                            </p:stCondLst>
-                            <p:childTnLst>
-                              <p:par>
-                                <p:cTn id="5" presetID="7" presetClass="emph" presetSubtype="1" nodeType="clickEffect">
-                                  <p:stCondLst>
-                                    <p:cond delay="0"/>
-                                  </p:stCondLst>
-                                  <p:childTnLst>
-                                    <p:set>
-                                      <p:cBhvr>
-                                        <p:cTn id="6" dur="2000"/>
-                                        <p:tgtEl>
-                                          <p:spTgt spid="42"/>
-                                        </p:tgtEl>
-                                        <p:attrNameLst>
-                                          <p:attrName>stroke.color</p:attrName>
-                                        </p:attrNameLst>
-                                      </p:cBhvr>
-                                      <p:to>
-                                        <p:clrVal>
-                                          <a:schemeClr val="accent2"/>
-                                        </p:clrVal>
-                                      </p:to>
-                                    </p:set>
-                                    <p:set>
-                                      <p:cBhvr>
-                                        <p:cTn id="7" dur="2000"/>
-                                        <p:tgtEl>
-                                          <p:spTgt spid="42"/>
-                                        </p:tgtEl>
-                                        <p:attrNameLst>
-                                          <p:attrName>stroke.on</p:attrName>
-                                        </p:attrNameLst>
-                                      </p:cBhvr>
-                                      <p:to>
-                                        <p:strVal val="true"/>
-                                      </p:to>
-                                    </p:set>
-                                  </p:childTnLst>
-                                </p:cTn>
-                              </p:par>
-                            </p:childTnLst>
-                          </p:cTn>
-                        </p:par>
-                      </p:childTnLst>
-                    </p:cTn>
-                  </p:par>
-                  <p:par>
-                    <p:cTn id="8" fill="hold">
-                      <p:stCondLst>
-                        <p:cond delay="indefinite"/>
-                      </p:stCondLst>
-                      <p:childTnLst>
-                        <p:par>
-                          <p:cTn id="9" fill="hold">
-                            <p:stCondLst>
-                              <p:cond delay="0"/>
-                            </p:stCondLst>
-                            <p:childTnLst>
-                              <p:par>
-                                <p:cTn id="10" presetID="7" presetClass="emph" presetSubtype="1" repeatCount="indefinite" nodeType="clickEffect">
-                                  <p:stCondLst>
-                                    <p:cond delay="0"/>
-                                  </p:stCondLst>
-                                  <p:endCondLst>
-                                    <p:cond evt="onNext" delay="0">
-                                      <p:tgtEl>
-                                        <p:sldTgt/>
-                                      </p:tgtEl>
-                                    </p:cond>
-                                  </p:endCondLst>
-                                  <p:childTnLst>
-                                    <p:set>
-                                      <p:cBhvr>
-                                        <p:cTn id="11" dur="indefinite"/>
-                                        <p:tgtEl>
-                                          <p:spTgt spid="44"/>
-                                        </p:tgtEl>
-                                        <p:attrNameLst>
-                                          <p:attrName>stroke.color</p:attrName>
-                                        </p:attrNameLst>
-                                      </p:cBhvr>
-                                      <p:to>
-                                        <p:clrVal>
-                                          <a:schemeClr val="accent2"/>
-                                        </p:clrVal>
-                                      </p:to>
-                                    </p:set>
-                                    <p:set>
-                                      <p:cBhvr>
-                                        <p:cTn id="12" dur="indefinite"/>
-                                        <p:tgtEl>
-                                          <p:spTgt spid="44"/>
-                                        </p:tgtEl>
-                                        <p:attrNameLst>
-                                          <p:attrName>stroke.on</p:attrName>
-                                        </p:attrNameLst>
-                                      </p:cBhvr>
-                                      <p:to>
-                                        <p:strVal val="true"/>
-                                      </p:to>
-                                    </p:set>
-                                  </p:childTnLst>
-                                </p:cTn>
-                              </p:par>
-                              <p:par>
-                                <p:cTn id="13" presetID="3" presetClass="emph" presetSubtype="1" repeatCount="indefinite" nodeType="withEffect">
-                                  <p:stCondLst>
-                                    <p:cond delay="100"/>
-                                  </p:stCondLst>
-                                  <p:endCondLst>
-                                    <p:cond evt="onNext" delay="0">
-                                      <p:tgtEl>
-                                        <p:sldTgt/>
-                                      </p:tgtEl>
-                                    </p:cond>
-                                  </p:endCondLst>
-                                  <p:childTnLst>
-                                    <p:set>
-                                      <p:cBhvr override="childStyle">
-                                        <p:cTn id="14" dur="indefinite"/>
-                                        <p:tgtEl>
-                                          <p:spTgt spid="46">
-                                            <p:txEl>
-                                              <p:pRg st="0" end="0"/>
-                                            </p:txEl>
-                                          </p:spTgt>
-                                        </p:tgtEl>
-                                        <p:attrNameLst>
-                                          <p:attrName>style.color</p:attrName>
-                                        </p:attrNameLst>
-                                      </p:cBhvr>
-                                      <p:to>
-                                        <p:clrVal>
-                                          <a:schemeClr val="accent2"/>
-                                        </p:clrVal>
-                                      </p:to>
-                                    </p:set>
-                                  </p:childTnLst>
-                                </p:cTn>
-                              </p:par>
-                            </p:childTnLst>
-                          </p:cTn>
-                        </p:par>
-                      </p:childTnLst>
-                    </p:cTn>
-                  </p:par>
-                  <p:par>
-                    <p:cTn id="15" fill="hold">
-                      <p:stCondLst>
-                        <p:cond delay="indefinite"/>
-                      </p:stCondLst>
-                      <p:childTnLst>
-                        <p:par>
-                          <p:cTn id="16" fill="hold">
-                            <p:stCondLst>
-                              <p:cond delay="0"/>
-                            </p:stCondLst>
-                            <p:childTnLst>
-                              <p:par>
-                                <p:cTn id="17" presetID="7" presetClass="emph" presetSubtype="1" nodeType="clickEffect">
-                                  <p:stCondLst>
-                                    <p:cond delay="0"/>
-                                  </p:stCondLst>
-                                  <p:endCondLst>
-                                    <p:cond evt="onNext" delay="0">
-                                      <p:tgtEl>
-                                        <p:sldTgt/>
-                                      </p:tgtEl>
-                                    </p:cond>
-                                  </p:endCondLst>
-                                  <p:childTnLst>
-                                    <p:set>
-                                      <p:cBhvr>
-                                        <p:cTn id="18" dur="indefinite"/>
-                                        <p:tgtEl>
-                                          <p:spTgt spid="45"/>
-                                        </p:tgtEl>
-                                        <p:attrNameLst>
-                                          <p:attrName>stroke.color</p:attrName>
-                                        </p:attrNameLst>
-                                      </p:cBhvr>
-                                      <p:to>
-                                        <p:clrVal>
-                                          <a:srgbClr val="ED7D31"/>
-                                        </p:clrVal>
-                                      </p:to>
-                                    </p:set>
-                                    <p:set>
-                                      <p:cBhvr>
-                                        <p:cTn id="19" dur="indefinite"/>
-                                        <p:tgtEl>
-                                          <p:spTgt spid="45"/>
-                                        </p:tgtEl>
-                                        <p:attrNameLst>
-                                          <p:attrName>stroke.on</p:attrName>
-                                        </p:attrNameLst>
-                                      </p:cBhvr>
-                                      <p:to>
-                                        <p:strVal val="true"/>
-                                      </p:to>
-                                    </p:set>
-                                  </p:childTnLst>
-                                </p:cTn>
-                              </p:par>
-                            </p:childTnLst>
-                          </p:cTn>
-                        </p:par>
-                      </p:childTnLst>
-                    </p:cTn>
-                  </p:par>
-                  <p:par>
-                    <p:cTn id="20" fill="hold">
-                      <p:stCondLst>
-                        <p:cond delay="indefinite"/>
-                      </p:stCondLst>
-                      <p:childTnLst>
-                        <p:par>
-                          <p:cTn id="21" fill="hold">
-                            <p:stCondLst>
-                              <p:cond delay="0"/>
-                            </p:stCondLst>
-                            <p:childTnLst>
-                              <p:par>
-                                <p:cTn id="22" presetID="7" presetClass="emph" presetSubtype="1" nodeType="clickEffect">
-                                  <p:stCondLst>
-                                    <p:cond delay="0"/>
-                                  </p:stCondLst>
-                                  <p:endCondLst>
-                                    <p:cond evt="onNext" delay="0">
-                                      <p:tgtEl>
-                                        <p:sldTgt/>
-                                      </p:tgtEl>
-                                    </p:cond>
-                                  </p:endCondLst>
-                                  <p:childTnLst>
-                                    <p:set>
-                                      <p:cBhvr>
-                                        <p:cTn id="23" dur="indefinite"/>
-                                        <p:tgtEl>
-                                          <p:spTgt spid="43"/>
-                                        </p:tgtEl>
-                                        <p:attrNameLst>
-                                          <p:attrName>stroke.color</p:attrName>
-                                        </p:attrNameLst>
-                                      </p:cBhvr>
-                                      <p:to>
-                                        <p:clrVal>
-                                          <a:schemeClr val="accent2"/>
-                                        </p:clrVal>
-                                      </p:to>
-                                    </p:set>
-                                    <p:set>
-                                      <p:cBhvr>
-                                        <p:cTn id="24" dur="indefinite"/>
-                                        <p:tgtEl>
-                                          <p:spTgt spid="43"/>
-                                        </p:tgtEl>
-                                        <p:attrNameLst>
-                                          <p:attrName>stroke.on</p:attrName>
-                                        </p:attrNameLst>
-                                      </p:cBhvr>
-                                      <p:to>
-                                        <p:strVal val="true"/>
-                                      </p:to>
-                                    </p:set>
-                                  </p:childTnLst>
-                                </p:cTn>
-                              </p:par>
-                              <p:par>
-                                <p:cTn id="25" presetID="3" presetClass="emph" presetSubtype="1" grpId="0" nodeType="withEffect">
-                                  <p:stCondLst>
-                                    <p:cond delay="0"/>
-                                  </p:stCondLst>
-                                  <p:endCondLst>
-                                    <p:cond evt="onNext" delay="0">
-                                      <p:tgtEl>
-                                        <p:sldTgt/>
-                                      </p:tgtEl>
-                                    </p:cond>
-                                  </p:endCondLst>
-                                  <p:childTnLst>
-                                    <p:set>
-                                      <p:cBhvr override="childStyle">
-                                        <p:cTn id="26" dur="indefinite"/>
-                                        <p:tgtEl>
-                                          <p:spTgt spid="47"/>
-                                        </p:tgtEl>
-                                        <p:attrNameLst>
-                                          <p:attrName>style.color</p:attrName>
-                                        </p:attrNameLst>
-                                      </p:cBhvr>
-                                      <p:to>
-                                        <p:clrVal>
-                                          <a:schemeClr val="accent2"/>
-                                        </p:clrVal>
-                                      </p:to>
-                                    </p:set>
-                                  </p:childTnLst>
-                                </p:cTn>
-                              </p:par>
-                            </p:childTnLst>
-                          </p:cTn>
-                        </p:par>
-                      </p:childTnLst>
-                    </p:cTn>
-                  </p:par>
-                  <p:par>
-                    <p:cTn id="27" fill="hold">
-                      <p:stCondLst>
-                        <p:cond delay="indefinite"/>
-                      </p:stCondLst>
-                      <p:childTnLst>
-                        <p:par>
-                          <p:cTn id="28" fill="hold">
-                            <p:stCondLst>
-                              <p:cond delay="0"/>
-                            </p:stCondLst>
-                            <p:childTnLst>
-                              <p:par>
-                                <p:cTn id="29" presetID="7" presetClass="emph" presetSubtype="1" repeatCount="indefinite" nodeType="clickEffect">
-                                  <p:stCondLst>
-                                    <p:cond delay="0"/>
-                                  </p:stCondLst>
-                                  <p:endCondLst>
-                                    <p:cond evt="onNext" delay="0">
-                                      <p:tgtEl>
-                                        <p:sldTgt/>
-                                      </p:tgtEl>
-                                    </p:cond>
-                                  </p:endCondLst>
-                                  <p:childTnLst>
-                                    <p:set>
-                                      <p:cBhvr>
-                                        <p:cTn id="30" dur="indefinite"/>
-                                        <p:tgtEl>
-                                          <p:spTgt spid="48"/>
-                                        </p:tgtEl>
-                                        <p:attrNameLst>
-                                          <p:attrName>stroke.color</p:attrName>
-                                        </p:attrNameLst>
-                                      </p:cBhvr>
-                                      <p:to>
-                                        <p:clrVal>
-                                          <a:schemeClr val="accent2"/>
-                                        </p:clrVal>
-                                      </p:to>
-                                    </p:set>
-                                    <p:set>
-                                      <p:cBhvr>
-                                        <p:cTn id="31" dur="indefinite"/>
-                                        <p:tgtEl>
-                                          <p:spTgt spid="48"/>
-                                        </p:tgtEl>
-                                        <p:attrNameLst>
-                                          <p:attrName>stroke.on</p:attrName>
-                                        </p:attrNameLst>
-                                      </p:cBhvr>
-                                      <p:to>
-                                        <p:strVal val="true"/>
-                                      </p:to>
-                                    </p:set>
-                                  </p:childTnLst>
-                                </p:cTn>
-                              </p:par>
-                            </p:childTnLst>
-                          </p:cTn>
-                        </p:par>
-                      </p:childTnLst>
-                    </p:cTn>
-                  </p:par>
-                  <p:par>
-                    <p:cTn id="32" fill="hold">
-                      <p:stCondLst>
-                        <p:cond delay="indefinite"/>
-                      </p:stCondLst>
-                      <p:childTnLst>
-                        <p:par>
-                          <p:cTn id="33" fill="hold">
-                            <p:stCondLst>
-                              <p:cond delay="0"/>
-                            </p:stCondLst>
-                            <p:childTnLst>
-                              <p:par>
-                                <p:cTn id="34" presetID="7" presetClass="emph" presetSubtype="1" repeatCount="indefinite" nodeType="clickEffect">
-                                  <p:stCondLst>
-                                    <p:cond delay="0"/>
-                                  </p:stCondLst>
-                                  <p:endCondLst>
-                                    <p:cond evt="onNext" delay="0">
-                                      <p:tgtEl>
-                                        <p:sldTgt/>
-                                      </p:tgtEl>
-                                    </p:cond>
-                                  </p:endCondLst>
-                                  <p:childTnLst>
-                                    <p:set>
-                                      <p:cBhvr>
-                                        <p:cTn id="35" dur="indefinite"/>
-                                        <p:tgtEl>
-                                          <p:spTgt spid="54"/>
-                                        </p:tgtEl>
-                                        <p:attrNameLst>
-                                          <p:attrName>stroke.color</p:attrName>
-                                        </p:attrNameLst>
-                                      </p:cBhvr>
-                                      <p:to>
-                                        <p:clrVal>
-                                          <a:schemeClr val="accent2"/>
-                                        </p:clrVal>
-                                      </p:to>
-                                    </p:set>
-                                    <p:set>
-                                      <p:cBhvr>
-                                        <p:cTn id="36" dur="indefinite"/>
-                                        <p:tgtEl>
-                                          <p:spTgt spid="54"/>
-                                        </p:tgtEl>
-                                        <p:attrNameLst>
-                                          <p:attrName>stroke.on</p:attrName>
-                                        </p:attrNameLst>
-                                      </p:cBhvr>
-                                      <p:to>
-                                        <p:strVal val="true"/>
-                                      </p:to>
-                                    </p:set>
-                                  </p:childTnLst>
-                                </p:cTn>
-                              </p:par>
-                            </p:childTnLst>
-                          </p:cTn>
-                        </p:par>
-                      </p:childTnLst>
-                    </p:cTn>
-                  </p:par>
-                  <p:par>
-                    <p:cTn id="37" fill="hold">
-                      <p:stCondLst>
-                        <p:cond delay="indefinite"/>
-                      </p:stCondLst>
-                      <p:childTnLst>
-                        <p:par>
-                          <p:cTn id="38" fill="hold">
-                            <p:stCondLst>
-                              <p:cond delay="0"/>
-                            </p:stCondLst>
-                            <p:childTnLst>
-                              <p:par>
-                                <p:cTn id="39" presetID="7" presetClass="emph" presetSubtype="1" repeatCount="indefinite" nodeType="clickEffect">
-                                  <p:stCondLst>
-                                    <p:cond delay="0"/>
-                                  </p:stCondLst>
-                                  <p:endCondLst>
-                                    <p:cond evt="onNext" delay="0">
-                                      <p:tgtEl>
-                                        <p:sldTgt/>
-                                      </p:tgtEl>
-                                    </p:cond>
-                                  </p:endCondLst>
-                                  <p:childTnLst>
-                                    <p:set>
-                                      <p:cBhvr>
-                                        <p:cTn id="40" dur="indefinite"/>
-                                        <p:tgtEl>
-                                          <p:spTgt spid="55"/>
-                                        </p:tgtEl>
-                                        <p:attrNameLst>
-                                          <p:attrName>stroke.color</p:attrName>
-                                        </p:attrNameLst>
-                                      </p:cBhvr>
-                                      <p:to>
-                                        <p:clrVal>
-                                          <a:schemeClr val="accent2"/>
-                                        </p:clrVal>
-                                      </p:to>
-                                    </p:set>
-                                    <p:set>
-                                      <p:cBhvr>
-                                        <p:cTn id="41" dur="indefinite"/>
-                                        <p:tgtEl>
-                                          <p:spTgt spid="55"/>
-                                        </p:tgtEl>
-                                        <p:attrNameLst>
-                                          <p:attrName>stroke.on</p:attrName>
-                                        </p:attrNameLst>
-                                      </p:cBhvr>
-                                      <p:to>
-                                        <p:strVal val="true"/>
-                                      </p:to>
-                                    </p:set>
-                                  </p:childTnLst>
-                                </p:cTn>
-                              </p:par>
-                            </p:childTnLst>
-                          </p:cTn>
-                        </p:par>
-                      </p:childTnLst>
-                    </p:cTn>
-                  </p:par>
-                  <p:par>
-                    <p:cTn id="42" fill="hold">
-                      <p:stCondLst>
-                        <p:cond delay="indefinite"/>
-                      </p:stCondLst>
-                      <p:childTnLst>
-                        <p:par>
-                          <p:cTn id="43" fill="hold">
-                            <p:stCondLst>
-                              <p:cond delay="0"/>
-                            </p:stCondLst>
-                            <p:childTnLst>
-                              <p:par>
-                                <p:cTn id="44" presetID="7" presetClass="emph" presetSubtype="1" repeatCount="indefinite" nodeType="clickEffect">
-                                  <p:stCondLst>
-                                    <p:cond delay="0"/>
-                                  </p:stCondLst>
-                                  <p:endCondLst>
-                                    <p:cond evt="onNext" delay="0">
-                                      <p:tgtEl>
-                                        <p:sldTgt/>
-                                      </p:tgtEl>
-                                    </p:cond>
-                                  </p:endCondLst>
-                                  <p:childTnLst>
-                                    <p:set>
-                                      <p:cBhvr>
-                                        <p:cTn id="45" dur="indefinite"/>
-                                        <p:tgtEl>
-                                          <p:spTgt spid="56"/>
-                                        </p:tgtEl>
-                                        <p:attrNameLst>
-                                          <p:attrName>stroke.color</p:attrName>
-                                        </p:attrNameLst>
-                                      </p:cBhvr>
-                                      <p:to>
-                                        <p:clrVal>
-                                          <a:schemeClr val="accent2"/>
-                                        </p:clrVal>
-                                      </p:to>
-                                    </p:set>
-                                    <p:set>
-                                      <p:cBhvr>
-                                        <p:cTn id="46" dur="indefinite"/>
-                                        <p:tgtEl>
-                                          <p:spTgt spid="56"/>
-                                        </p:tgtEl>
-                                        <p:attrNameLst>
-                                          <p:attrName>stroke.on</p:attrName>
-                                        </p:attrNameLst>
-                                      </p:cBhvr>
-                                      <p:to>
-                                        <p:strVal val="true"/>
-                                      </p:to>
-                                    </p:set>
-                                  </p:childTnLst>
-                                </p:cTn>
-                              </p:par>
-                            </p:childTnLst>
-                          </p:cTn>
-                        </p:par>
-                      </p:childTnLst>
-                    </p:cTn>
-                  </p:par>
-                  <p:par>
-                    <p:cTn id="47" fill="hold">
-                      <p:stCondLst>
-                        <p:cond delay="indefinite"/>
-                      </p:stCondLst>
-                      <p:childTnLst>
-                        <p:par>
-                          <p:cTn id="48" fill="hold">
-                            <p:stCondLst>
-                              <p:cond delay="0"/>
-                            </p:stCondLst>
-                            <p:childTnLst>
-                              <p:par>
-                                <p:cTn id="49" presetID="7" presetClass="emph" presetSubtype="1" repeatCount="indefinite" nodeType="clickEffect">
-                                  <p:stCondLst>
-                                    <p:cond delay="0"/>
-                                  </p:stCondLst>
-                                  <p:endCondLst>
-                                    <p:cond evt="onNext" delay="0">
-                                      <p:tgtEl>
-                                        <p:sldTgt/>
-                                      </p:tgtEl>
-                                    </p:cond>
-                                  </p:endCondLst>
-                                  <p:childTnLst>
-                                    <p:set>
-                                      <p:cBhvr>
-                                        <p:cTn id="50" dur="indefinite"/>
-                                        <p:tgtEl>
-                                          <p:spTgt spid="57"/>
-                                        </p:tgtEl>
-                                        <p:attrNameLst>
-                                          <p:attrName>stroke.color</p:attrName>
-                                        </p:attrNameLst>
-                                      </p:cBhvr>
-                                      <p:to>
-                                        <p:clrVal>
-                                          <a:schemeClr val="accent2"/>
-                                        </p:clrVal>
-                                      </p:to>
-                                    </p:set>
-                                    <p:set>
-                                      <p:cBhvr>
-                                        <p:cTn id="51" dur="indefinite"/>
-                                        <p:tgtEl>
-                                          <p:spTgt spid="57"/>
-                                        </p:tgtEl>
-                                        <p:attrNameLst>
-                                          <p:attrName>stroke.on</p:attrName>
-                                        </p:attrNameLst>
-                                      </p:cBhvr>
-                                      <p:to>
-                                        <p:strVal val="true"/>
-                                      </p:to>
-                                    </p:set>
-                                  </p:childTnLst>
-                                </p:cTn>
-                              </p:par>
-                            </p:childTnLst>
-                          </p:cTn>
-                        </p:par>
-                      </p:childTnLst>
-                    </p:cTn>
-                  </p:par>
-                  <p:par>
-                    <p:cTn id="52" fill="hold">
-                      <p:stCondLst>
-                        <p:cond delay="indefinite"/>
-                      </p:stCondLst>
-                      <p:childTnLst>
-                        <p:par>
-                          <p:cTn id="53" fill="hold">
-                            <p:stCondLst>
-                              <p:cond delay="0"/>
-                            </p:stCondLst>
-                            <p:childTnLst>
-                              <p:par>
-                                <p:cTn id="54" presetID="7" presetClass="emph" presetSubtype="1" repeatCount="indefinite" nodeType="clickEffect">
-                                  <p:stCondLst>
-                                    <p:cond delay="0"/>
-                                  </p:stCondLst>
-                                  <p:endCondLst>
-                                    <p:cond evt="onNext" delay="0">
-                                      <p:tgtEl>
-                                        <p:sldTgt/>
-                                      </p:tgtEl>
-                                    </p:cond>
-                                  </p:endCondLst>
-                                  <p:childTnLst>
-                                    <p:set>
-                                      <p:cBhvr>
-                                        <p:cTn id="55" dur="indefinite"/>
-                                        <p:tgtEl>
-                                          <p:spTgt spid="58"/>
-                                        </p:tgtEl>
-                                        <p:attrNameLst>
-                                          <p:attrName>stroke.color</p:attrName>
-                                        </p:attrNameLst>
-                                      </p:cBhvr>
-                                      <p:to>
-                                        <p:clrVal>
-                                          <a:schemeClr val="accent2"/>
-                                        </p:clrVal>
-                                      </p:to>
-                                    </p:set>
-                                    <p:set>
-                                      <p:cBhvr>
-                                        <p:cTn id="56" dur="indefinite"/>
-                                        <p:tgtEl>
-                                          <p:spTgt spid="58"/>
-                                        </p:tgtEl>
-                                        <p:attrNameLst>
-                                          <p:attrName>stroke.on</p:attrName>
-                                        </p:attrNameLst>
-                                      </p:cBhvr>
-                                      <p:to>
-                                        <p:strVal val="true"/>
-                                      </p:to>
-                                    </p:set>
-                                  </p:childTnLst>
-                                </p:cTn>
-                              </p:par>
-                            </p:childTnLst>
-                          </p:cTn>
-                        </p:par>
-                      </p:childTnLst>
-                    </p:cTn>
-                  </p:par>
-                  <p:par>
-                    <p:cTn id="57" fill="hold">
-                      <p:stCondLst>
-                        <p:cond delay="indefinite"/>
-                      </p:stCondLst>
-                      <p:childTnLst>
-                        <p:par>
-                          <p:cTn id="58" fill="hold">
-                            <p:stCondLst>
-                              <p:cond delay="0"/>
-                            </p:stCondLst>
-                            <p:childTnLst>
-                              <p:par>
-                                <p:cTn id="59" presetID="7" presetClass="emph" presetSubtype="1" repeatCount="indefinite" nodeType="clickEffect">
-                                  <p:stCondLst>
-                                    <p:cond delay="0"/>
-                                  </p:stCondLst>
-                                  <p:endCondLst>
-                                    <p:cond evt="onNext" delay="0">
-                                      <p:tgtEl>
-                                        <p:sldTgt/>
-                                      </p:tgtEl>
-                                    </p:cond>
-                                  </p:endCondLst>
-                                  <p:childTnLst>
-                                    <p:set>
-                                      <p:cBhvr>
-                                        <p:cTn id="60" dur="indefinite"/>
-                                        <p:tgtEl>
-                                          <p:spTgt spid="59"/>
-                                        </p:tgtEl>
-                                        <p:attrNameLst>
-                                          <p:attrName>stroke.color</p:attrName>
-                                        </p:attrNameLst>
-                                      </p:cBhvr>
-                                      <p:to>
-                                        <p:clrVal>
-                                          <a:schemeClr val="accent2"/>
-                                        </p:clrVal>
-                                      </p:to>
-                                    </p:set>
-                                    <p:set>
-                                      <p:cBhvr>
-                                        <p:cTn id="61" dur="indefinite"/>
-                                        <p:tgtEl>
-                                          <p:spTgt spid="59"/>
-                                        </p:tgtEl>
-                                        <p:attrNameLst>
-                                          <p:attrName>stroke.on</p:attrName>
-                                        </p:attrNameLst>
-                                      </p:cBhvr>
-                                      <p:to>
-                                        <p:strVal val="true"/>
-                                      </p:to>
-                                    </p:set>
-                                  </p:childTnLst>
-                                </p:cTn>
-                              </p:par>
-                            </p:childTnLst>
-                          </p:cTn>
-                        </p:par>
-                      </p:childTnLst>
-                    </p:cTn>
-                  </p:par>
-                  <p:par>
-                    <p:cTn id="62" fill="hold">
-                      <p:stCondLst>
-                        <p:cond delay="indefinite"/>
-                      </p:stCondLst>
-                      <p:childTnLst>
-                        <p:par>
-                          <p:cTn id="63" fill="hold">
-                            <p:stCondLst>
-                              <p:cond delay="0"/>
-                            </p:stCondLst>
-                            <p:childTnLst>
-                              <p:par>
-                                <p:cTn id="64" presetID="7" presetClass="emph" presetSubtype="1" repeatCount="indefinite" nodeType="clickEffect">
-                                  <p:stCondLst>
-                                    <p:cond delay="0"/>
-                                  </p:stCondLst>
-                                  <p:endCondLst>
-                                    <p:cond evt="onNext" delay="0">
-                                      <p:tgtEl>
-                                        <p:sldTgt/>
-                                      </p:tgtEl>
-                                    </p:cond>
-                                  </p:endCondLst>
-                                  <p:childTnLst>
-                                    <p:set>
-                                      <p:cBhvr>
-                                        <p:cTn id="65" dur="indefinite"/>
-                                        <p:tgtEl>
-                                          <p:spTgt spid="61"/>
-                                        </p:tgtEl>
-                                        <p:attrNameLst>
-                                          <p:attrName>stroke.color</p:attrName>
-                                        </p:attrNameLst>
-                                      </p:cBhvr>
-                                      <p:to>
-                                        <p:clrVal>
-                                          <a:schemeClr val="accent2"/>
-                                        </p:clrVal>
-                                      </p:to>
-                                    </p:set>
-                                    <p:set>
-                                      <p:cBhvr>
-                                        <p:cTn id="66" dur="indefinite"/>
-                                        <p:tgtEl>
-                                          <p:spTgt spid="61"/>
-                                        </p:tgtEl>
-                                        <p:attrNameLst>
-                                          <p:attrName>stroke.on</p:attrName>
-                                        </p:attrNameLst>
-                                      </p:cBhvr>
-                                      <p:to>
-                                        <p:strVal val="true"/>
-                                      </p:to>
-                                    </p:set>
-                                  </p:childTnLst>
-                                </p:cTn>
-                              </p:par>
-                            </p:childTnLst>
-                          </p:cTn>
-                        </p:par>
-                      </p:childTnLst>
-                    </p:cTn>
-                  </p:par>
-                  <p:par>
-                    <p:cTn id="67" fill="hold">
-                      <p:stCondLst>
-                        <p:cond delay="indefinite"/>
-                      </p:stCondLst>
-                      <p:childTnLst>
-                        <p:par>
-                          <p:cTn id="68" fill="hold">
-                            <p:stCondLst>
-                              <p:cond delay="0"/>
-                            </p:stCondLst>
-                            <p:childTnLst>
-                              <p:par>
-                                <p:cTn id="69" presetID="7" presetClass="emph" presetSubtype="1" repeatCount="indefinite" nodeType="clickEffect">
-                                  <p:stCondLst>
-                                    <p:cond delay="0"/>
-                                  </p:stCondLst>
-                                  <p:endCondLst>
-                                    <p:cond evt="onNext" delay="0">
-                                      <p:tgtEl>
-                                        <p:sldTgt/>
-                                      </p:tgtEl>
-                                    </p:cond>
-                                  </p:endCondLst>
-                                  <p:childTnLst>
-                                    <p:set>
-                                      <p:cBhvr>
-                                        <p:cTn id="70" dur="indefinite"/>
-                                        <p:tgtEl>
-                                          <p:spTgt spid="62"/>
-                                        </p:tgtEl>
-                                        <p:attrNameLst>
-                                          <p:attrName>stroke.color</p:attrName>
-                                        </p:attrNameLst>
-                                      </p:cBhvr>
-                                      <p:to>
-                                        <p:clrVal>
-                                          <a:schemeClr val="accent2"/>
-                                        </p:clrVal>
-                                      </p:to>
-                                    </p:set>
-                                    <p:set>
-                                      <p:cBhvr>
-                                        <p:cTn id="71" dur="indefinite"/>
-                                        <p:tgtEl>
-                                          <p:spTgt spid="62"/>
-                                        </p:tgtEl>
-                                        <p:attrNameLst>
-                                          <p:attrName>stroke.on</p:attrName>
-                                        </p:attrNameLst>
-                                      </p:cBhvr>
-                                      <p:to>
-                                        <p:strVal val="true"/>
-                                      </p:to>
-                                    </p:set>
-                                  </p:childTnLst>
-                                </p:cTn>
-                              </p:par>
-                            </p:childTnLst>
-                          </p:cTn>
-                        </p:par>
-                      </p:childTnLst>
-                    </p:cTn>
-                  </p:par>
-                </p:childTnLst>
-              </p:cTn>
-              <p:prevCondLst>
-                <p:cond evt="onPrev" delay="0">
-                  <p:tgtEl>
-                    <p:sldTgt/>
-                  </p:tgtEl>
-                </p:cond>
-              </p:prevCondLst>
-              <p:nextCondLst>
-                <p:cond evt="onNext" delay="0">
-                  <p:tgtEl>
-                    <p:sldTgt/>
-                  </p:tgtEl>
-                </p:cond>
-              </p:nextCondLst>
-            </p:seq>
-          </p:childTnLst>
-        </p:cTn>
-      </p:par>
-    </p:tnLst>
-    <p:bldLst>
-      <p:bldP spid="47" grpId="0"/>
-    </p:bldLst>
-  </p:timing>
 </p:sld>
 </file>
 
@@ -37727,6 +33097,12 @@
 </file>
 
 <file path=customXml/item1.xml><?xml version="1.0" encoding="utf-8"?>
+<p:properties xmlns:p="http://schemas.microsoft.com/office/2006/metadata/properties" xmlns:xsi="http://www.w3.org/2001/XMLSchema-instance" xmlns:pc="http://schemas.microsoft.com/office/infopath/2007/PartnerControls">
+  <documentManagement/>
+</p:properties>
+</file>
+
+<file path=customXml/item2.xml><?xml version="1.0" encoding="utf-8"?>
 <ct:contentTypeSchema xmlns:ct="http://schemas.microsoft.com/office/2006/metadata/contentType" xmlns:ma="http://schemas.microsoft.com/office/2006/metadata/properties/metaAttributes" ct:_="" ma:_="" ma:contentTypeName="Document" ma:contentTypeID="0x01010083F0F5F090D6FE4C9D66FF879A7CC7B3" ma:contentTypeVersion="9" ma:contentTypeDescription="Create a new document." ma:contentTypeScope="" ma:versionID="606f2283565418712a5a3267706a5f5d">
   <xsd:schema xmlns:xsd="http://www.w3.org/2001/XMLSchema" xmlns:xs="http://www.w3.org/2001/XMLSchema" xmlns:p="http://schemas.microsoft.com/office/2006/metadata/properties" xmlns:ns2="58c44ba5-51a4-40bc-b9f0-9fe2032e2130" targetNamespace="http://schemas.microsoft.com/office/2006/metadata/properties" ma:root="true" ma:fieldsID="0d021ce73d87f7988edb471f4256858c" ns2:_="">
     <xsd:import namespace="58c44ba5-51a4-40bc-b9f0-9fe2032e2130"/>
@@ -37904,12 +33280,6 @@
 </ct:contentTypeSchema>
 </file>
 
-<file path=customXml/item2.xml><?xml version="1.0" encoding="utf-8"?>
-<p:properties xmlns:p="http://schemas.microsoft.com/office/2006/metadata/properties" xmlns:xsi="http://www.w3.org/2001/XMLSchema-instance" xmlns:pc="http://schemas.microsoft.com/office/infopath/2007/PartnerControls">
-  <documentManagement/>
-</p:properties>
-</file>
-
 <file path=customXml/item3.xml><?xml version="1.0" encoding="utf-8"?>
 <?mso-contentType ?>
 <FormTemplates xmlns="http://schemas.microsoft.com/sharepoint/v3/contenttype/forms">
@@ -37920,6 +33290,15 @@
 </file>
 
 <file path=customXml/itemProps1.xml><?xml version="1.0" encoding="utf-8"?>
+<ds:datastoreItem xmlns:ds="http://schemas.openxmlformats.org/officeDocument/2006/customXml" ds:itemID="{1091C435-747D-4FFA-9672-3C4E123F79F3}">
+  <ds:schemaRefs>
+    <ds:schemaRef ds:uri="http://schemas.microsoft.com/office/2006/metadata/properties"/>
+    <ds:schemaRef ds:uri="http://schemas.microsoft.com/office/infopath/2007/PartnerControls"/>
+  </ds:schemaRefs>
+</ds:datastoreItem>
+</file>
+
+<file path=customXml/itemProps2.xml><?xml version="1.0" encoding="utf-8"?>
 <ds:datastoreItem xmlns:ds="http://schemas.openxmlformats.org/officeDocument/2006/customXml" ds:itemID="{29605D0F-DB16-41D7-85BA-80FD23F9D4BC}">
   <ds:schemaRefs>
     <ds:schemaRef ds:uri="http://schemas.microsoft.com/office/2006/metadata/contentType"/>
@@ -37937,15 +33316,6 @@
 </ds:datastoreItem>
 </file>
 
-<file path=customXml/itemProps2.xml><?xml version="1.0" encoding="utf-8"?>
-<ds:datastoreItem xmlns:ds="http://schemas.openxmlformats.org/officeDocument/2006/customXml" ds:itemID="{1091C435-747D-4FFA-9672-3C4E123F79F3}">
-  <ds:schemaRefs>
-    <ds:schemaRef ds:uri="http://schemas.microsoft.com/office/2006/metadata/properties"/>
-    <ds:schemaRef ds:uri="http://schemas.microsoft.com/office/infopath/2007/PartnerControls"/>
-  </ds:schemaRefs>
-</ds:datastoreItem>
-</file>
-
 <file path=customXml/itemProps3.xml><?xml version="1.0" encoding="utf-8"?>
 <ds:datastoreItem xmlns:ds="http://schemas.openxmlformats.org/officeDocument/2006/customXml" ds:itemID="{C7AE92EF-36AB-4FBF-8B40-C1E0054F61CB}">
   <ds:schemaRefs>
